--- a/Presentation2.pptx
+++ b/Presentation2.pptx
@@ -2,18 +2,21 @@
 <file path=ppt/presentation.xml><?xml version="1.0" encoding="utf-8"?>
 <p:presentation xmlns:a="http://schemas.openxmlformats.org/drawingml/2006/main" xmlns:r="http://schemas.openxmlformats.org/officeDocument/2006/relationships" xmlns:p="http://schemas.openxmlformats.org/presentationml/2006/main" saveSubsetFonts="1" autoCompressPictures="0">
   <p:sldMasterIdLst>
-    <p:sldMasterId id="2147483648" r:id="rId1"/>
+    <p:sldMasterId id="2147483672" r:id="rId4"/>
   </p:sldMasterIdLst>
   <p:sldIdLst>
-    <p:sldId id="256" r:id="rId2"/>
+    <p:sldId id="256" r:id="rId5"/>
+    <p:sldId id="257" r:id="rId6"/>
+    <p:sldId id="259" r:id="rId7"/>
+    <p:sldId id="260" r:id="rId8"/>
   </p:sldIdLst>
-  <p:sldSz cx="12192000" cy="6858000"/>
+  <p:sldSz cx="13716000" cy="7708900"/>
   <p:notesSz cx="6858000" cy="9144000"/>
   <p:defaultTextStyle>
     <a:defPPr>
       <a:defRPr lang="en-US"/>
     </a:defPPr>
-    <a:lvl1pPr marL="0" algn="l" defTabSz="914400" rtl="0" eaLnBrk="1" latinLnBrk="0" hangingPunct="1">
+    <a:lvl1pPr marL="0" algn="l" defTabSz="457200" rtl="0" eaLnBrk="1" latinLnBrk="0" hangingPunct="1">
       <a:defRPr sz="1800" kern="1200">
         <a:solidFill>
           <a:schemeClr val="tx1"/>
@@ -23,7 +26,7 @@
         <a:cs typeface="+mn-cs"/>
       </a:defRPr>
     </a:lvl1pPr>
-    <a:lvl2pPr marL="457200" algn="l" defTabSz="914400" rtl="0" eaLnBrk="1" latinLnBrk="0" hangingPunct="1">
+    <a:lvl2pPr marL="457200" algn="l" defTabSz="457200" rtl="0" eaLnBrk="1" latinLnBrk="0" hangingPunct="1">
       <a:defRPr sz="1800" kern="1200">
         <a:solidFill>
           <a:schemeClr val="tx1"/>
@@ -33,7 +36,7 @@
         <a:cs typeface="+mn-cs"/>
       </a:defRPr>
     </a:lvl2pPr>
-    <a:lvl3pPr marL="914400" algn="l" defTabSz="914400" rtl="0" eaLnBrk="1" latinLnBrk="0" hangingPunct="1">
+    <a:lvl3pPr marL="914400" algn="l" defTabSz="457200" rtl="0" eaLnBrk="1" latinLnBrk="0" hangingPunct="1">
       <a:defRPr sz="1800" kern="1200">
         <a:solidFill>
           <a:schemeClr val="tx1"/>
@@ -43,7 +46,7 @@
         <a:cs typeface="+mn-cs"/>
       </a:defRPr>
     </a:lvl3pPr>
-    <a:lvl4pPr marL="1371600" algn="l" defTabSz="914400" rtl="0" eaLnBrk="1" latinLnBrk="0" hangingPunct="1">
+    <a:lvl4pPr marL="1371600" algn="l" defTabSz="457200" rtl="0" eaLnBrk="1" latinLnBrk="0" hangingPunct="1">
       <a:defRPr sz="1800" kern="1200">
         <a:solidFill>
           <a:schemeClr val="tx1"/>
@@ -53,7 +56,7 @@
         <a:cs typeface="+mn-cs"/>
       </a:defRPr>
     </a:lvl4pPr>
-    <a:lvl5pPr marL="1828800" algn="l" defTabSz="914400" rtl="0" eaLnBrk="1" latinLnBrk="0" hangingPunct="1">
+    <a:lvl5pPr marL="1828800" algn="l" defTabSz="457200" rtl="0" eaLnBrk="1" latinLnBrk="0" hangingPunct="1">
       <a:defRPr sz="1800" kern="1200">
         <a:solidFill>
           <a:schemeClr val="tx1"/>
@@ -63,7 +66,7 @@
         <a:cs typeface="+mn-cs"/>
       </a:defRPr>
     </a:lvl5pPr>
-    <a:lvl6pPr marL="2286000" algn="l" defTabSz="914400" rtl="0" eaLnBrk="1" latinLnBrk="0" hangingPunct="1">
+    <a:lvl6pPr marL="2286000" algn="l" defTabSz="457200" rtl="0" eaLnBrk="1" latinLnBrk="0" hangingPunct="1">
       <a:defRPr sz="1800" kern="1200">
         <a:solidFill>
           <a:schemeClr val="tx1"/>
@@ -73,7 +76,7 @@
         <a:cs typeface="+mn-cs"/>
       </a:defRPr>
     </a:lvl6pPr>
-    <a:lvl7pPr marL="2743200" algn="l" defTabSz="914400" rtl="0" eaLnBrk="1" latinLnBrk="0" hangingPunct="1">
+    <a:lvl7pPr marL="2743200" algn="l" defTabSz="457200" rtl="0" eaLnBrk="1" latinLnBrk="0" hangingPunct="1">
       <a:defRPr sz="1800" kern="1200">
         <a:solidFill>
           <a:schemeClr val="tx1"/>
@@ -83,7 +86,7 @@
         <a:cs typeface="+mn-cs"/>
       </a:defRPr>
     </a:lvl7pPr>
-    <a:lvl8pPr marL="3200400" algn="l" defTabSz="914400" rtl="0" eaLnBrk="1" latinLnBrk="0" hangingPunct="1">
+    <a:lvl8pPr marL="3200400" algn="l" defTabSz="457200" rtl="0" eaLnBrk="1" latinLnBrk="0" hangingPunct="1">
       <a:defRPr sz="1800" kern="1200">
         <a:solidFill>
           <a:schemeClr val="tx1"/>
@@ -93,7 +96,7 @@
         <a:cs typeface="+mn-cs"/>
       </a:defRPr>
     </a:lvl8pPr>
-    <a:lvl9pPr marL="3657600" algn="l" defTabSz="914400" rtl="0" eaLnBrk="1" latinLnBrk="0" hangingPunct="1">
+    <a:lvl9pPr marL="3657600" algn="l" defTabSz="457200" rtl="0" eaLnBrk="1" latinLnBrk="0" hangingPunct="1">
       <a:defRPr sz="1800" kern="1200">
         <a:solidFill>
           <a:schemeClr val="tx1"/>
@@ -104,6 +107,11 @@
       </a:defRPr>
     </a:lvl9pPr>
   </p:defaultTextStyle>
+  <p:extLst>
+    <p:ext uri="{EFAFB233-063F-42B5-8137-9DF3F51BA10A}">
+      <p15:sldGuideLst xmlns:p15="http://schemas.microsoft.com/office/powerpoint/2012/main"/>
+    </p:ext>
+  </p:extLst>
 </p:presentation>
 </file>
 
@@ -126,13 +134,7 @@
       </p:grpSpPr>
       <p:sp>
         <p:nvSpPr>
-          <p:cNvPr id="2" name="Title 1">
-            <a:extLst>
-              <a:ext uri="{FF2B5EF4-FFF2-40B4-BE49-F238E27FC236}">
-                <a16:creationId xmlns:a16="http://schemas.microsoft.com/office/drawing/2014/main" id="{D0B20403-7217-5E4F-91D8-E55F8F2C3395}"/>
-              </a:ext>
-            </a:extLst>
-          </p:cNvPr>
+          <p:cNvPr id="2" name="Title 1"/>
           <p:cNvSpPr>
             <a:spLocks noGrp="1"/>
           </p:cNvSpPr>
@@ -142,15 +144,15 @@
         </p:nvSpPr>
         <p:spPr>
           <a:xfrm>
-            <a:off x="1524000" y="1122363"/>
-            <a:ext cx="9144000" cy="2387600"/>
+            <a:off x="1714500" y="1261619"/>
+            <a:ext cx="10287000" cy="2683839"/>
           </a:xfrm>
         </p:spPr>
         <p:txBody>
           <a:bodyPr anchor="b"/>
           <a:lstStyle>
             <a:lvl1pPr algn="ctr">
-              <a:defRPr sz="6000"/>
+              <a:defRPr sz="6745"/>
             </a:lvl1pPr>
           </a:lstStyle>
           <a:p>
@@ -158,18 +160,13 @@
               <a:rPr lang="en-US"/>
               <a:t>Click to edit Master title style</a:t>
             </a:r>
-          </a:p>
-        </p:txBody>
-      </p:sp>
-      <p:sp>
-        <p:nvSpPr>
-          <p:cNvPr id="3" name="Subtitle 2">
-            <a:extLst>
-              <a:ext uri="{FF2B5EF4-FFF2-40B4-BE49-F238E27FC236}">
-                <a16:creationId xmlns:a16="http://schemas.microsoft.com/office/drawing/2014/main" id="{C56B282D-F6A9-1A4E-B83B-2B79EF666331}"/>
-              </a:ext>
-            </a:extLst>
-          </p:cNvPr>
+            <a:endParaRPr lang="en-US" dirty="0"/>
+          </a:p>
+        </p:txBody>
+      </p:sp>
+      <p:sp>
+        <p:nvSpPr>
+          <p:cNvPr id="3" name="Subtitle 2"/>
           <p:cNvSpPr>
             <a:spLocks noGrp="1"/>
           </p:cNvSpPr>
@@ -179,8 +176,8 @@
         </p:nvSpPr>
         <p:spPr>
           <a:xfrm>
-            <a:off x="1524000" y="3602038"/>
-            <a:ext cx="9144000" cy="1655762"/>
+            <a:off x="1714500" y="4048958"/>
+            <a:ext cx="10287000" cy="1861199"/>
           </a:xfrm>
         </p:spPr>
         <p:txBody>
@@ -188,39 +185,39 @@
           <a:lstStyle>
             <a:lvl1pPr marL="0" indent="0" algn="ctr">
               <a:buNone/>
-              <a:defRPr sz="2400"/>
+              <a:defRPr sz="2698"/>
             </a:lvl1pPr>
-            <a:lvl2pPr marL="457200" indent="0" algn="ctr">
-              <a:buNone/>
-              <a:defRPr sz="2000"/>
+            <a:lvl2pPr marL="513939" indent="0" algn="ctr">
+              <a:buNone/>
+              <a:defRPr sz="2248"/>
             </a:lvl2pPr>
-            <a:lvl3pPr marL="914400" indent="0" algn="ctr">
-              <a:buNone/>
-              <a:defRPr sz="1800"/>
+            <a:lvl3pPr marL="1027877" indent="0" algn="ctr">
+              <a:buNone/>
+              <a:defRPr sz="2023"/>
             </a:lvl3pPr>
-            <a:lvl4pPr marL="1371600" indent="0" algn="ctr">
-              <a:buNone/>
-              <a:defRPr sz="1600"/>
+            <a:lvl4pPr marL="1541816" indent="0" algn="ctr">
+              <a:buNone/>
+              <a:defRPr sz="1799"/>
             </a:lvl4pPr>
-            <a:lvl5pPr marL="1828800" indent="0" algn="ctr">
-              <a:buNone/>
-              <a:defRPr sz="1600"/>
+            <a:lvl5pPr marL="2055754" indent="0" algn="ctr">
+              <a:buNone/>
+              <a:defRPr sz="1799"/>
             </a:lvl5pPr>
-            <a:lvl6pPr marL="2286000" indent="0" algn="ctr">
-              <a:buNone/>
-              <a:defRPr sz="1600"/>
+            <a:lvl6pPr marL="2569693" indent="0" algn="ctr">
+              <a:buNone/>
+              <a:defRPr sz="1799"/>
             </a:lvl6pPr>
-            <a:lvl7pPr marL="2743200" indent="0" algn="ctr">
-              <a:buNone/>
-              <a:defRPr sz="1600"/>
+            <a:lvl7pPr marL="3083631" indent="0" algn="ctr">
+              <a:buNone/>
+              <a:defRPr sz="1799"/>
             </a:lvl7pPr>
-            <a:lvl8pPr marL="3200400" indent="0" algn="ctr">
-              <a:buNone/>
-              <a:defRPr sz="1600"/>
+            <a:lvl8pPr marL="3597570" indent="0" algn="ctr">
+              <a:buNone/>
+              <a:defRPr sz="1799"/>
             </a:lvl8pPr>
-            <a:lvl9pPr marL="3657600" indent="0" algn="ctr">
-              <a:buNone/>
-              <a:defRPr sz="1600"/>
+            <a:lvl9pPr marL="4111508" indent="0" algn="ctr">
+              <a:buNone/>
+              <a:defRPr sz="1799"/>
             </a:lvl9pPr>
           </a:lstStyle>
           <a:p>
@@ -228,18 +225,13 @@
               <a:rPr lang="en-US"/>
               <a:t>Click to edit Master subtitle style</a:t>
             </a:r>
-          </a:p>
-        </p:txBody>
-      </p:sp>
-      <p:sp>
-        <p:nvSpPr>
-          <p:cNvPr id="4" name="Date Placeholder 3">
-            <a:extLst>
-              <a:ext uri="{FF2B5EF4-FFF2-40B4-BE49-F238E27FC236}">
-                <a16:creationId xmlns:a16="http://schemas.microsoft.com/office/drawing/2014/main" id="{C8490678-1C46-164C-B99A-83F73C08C617}"/>
-              </a:ext>
-            </a:extLst>
-          </p:cNvPr>
+            <a:endParaRPr lang="en-US" dirty="0"/>
+          </a:p>
+        </p:txBody>
+      </p:sp>
+      <p:sp>
+        <p:nvSpPr>
+          <p:cNvPr id="4" name="Date Placeholder 3"/>
           <p:cNvSpPr>
             <a:spLocks noGrp="1"/>
           </p:cNvSpPr>
@@ -262,13 +254,7 @@
       </p:sp>
       <p:sp>
         <p:nvSpPr>
-          <p:cNvPr id="5" name="Footer Placeholder 4">
-            <a:extLst>
-              <a:ext uri="{FF2B5EF4-FFF2-40B4-BE49-F238E27FC236}">
-                <a16:creationId xmlns:a16="http://schemas.microsoft.com/office/drawing/2014/main" id="{4EC14899-5E75-C744-9A74-A6DA01D4F598}"/>
-              </a:ext>
-            </a:extLst>
-          </p:cNvPr>
+          <p:cNvPr id="5" name="Footer Placeholder 4"/>
           <p:cNvSpPr>
             <a:spLocks noGrp="1"/>
           </p:cNvSpPr>
@@ -287,13 +273,7 @@
       </p:sp>
       <p:sp>
         <p:nvSpPr>
-          <p:cNvPr id="6" name="Slide Number Placeholder 5">
-            <a:extLst>
-              <a:ext uri="{FF2B5EF4-FFF2-40B4-BE49-F238E27FC236}">
-                <a16:creationId xmlns:a16="http://schemas.microsoft.com/office/drawing/2014/main" id="{730F34E0-3BDE-0C41-B71A-034515D2D77C}"/>
-              </a:ext>
-            </a:extLst>
-          </p:cNvPr>
+          <p:cNvPr id="6" name="Slide Number Placeholder 5"/>
           <p:cNvSpPr>
             <a:spLocks noGrp="1"/>
           </p:cNvSpPr>
@@ -317,7 +297,7 @@
     </p:spTree>
     <p:extLst>
       <p:ext uri="{BB962C8B-B14F-4D97-AF65-F5344CB8AC3E}">
-        <p14:creationId xmlns:p14="http://schemas.microsoft.com/office/powerpoint/2010/main" val="3637443919"/>
+        <p14:creationId xmlns:p14="http://schemas.microsoft.com/office/powerpoint/2010/main" val="150288038"/>
       </p:ext>
     </p:extLst>
   </p:cSld>
@@ -346,13 +326,7 @@
       </p:grpSpPr>
       <p:sp>
         <p:nvSpPr>
-          <p:cNvPr id="2" name="Title 1">
-            <a:extLst>
-              <a:ext uri="{FF2B5EF4-FFF2-40B4-BE49-F238E27FC236}">
-                <a16:creationId xmlns:a16="http://schemas.microsoft.com/office/drawing/2014/main" id="{405FBC70-32BC-924A-910F-6AE7DE72AD75}"/>
-              </a:ext>
-            </a:extLst>
-          </p:cNvPr>
+          <p:cNvPr id="2" name="Title 1"/>
           <p:cNvSpPr>
             <a:spLocks noGrp="1"/>
           </p:cNvSpPr>
@@ -369,18 +343,13 @@
               <a:rPr lang="en-US"/>
               <a:t>Click to edit Master title style</a:t>
             </a:r>
-          </a:p>
-        </p:txBody>
-      </p:sp>
-      <p:sp>
-        <p:nvSpPr>
-          <p:cNvPr id="3" name="Vertical Text Placeholder 2">
-            <a:extLst>
-              <a:ext uri="{FF2B5EF4-FFF2-40B4-BE49-F238E27FC236}">
-                <a16:creationId xmlns:a16="http://schemas.microsoft.com/office/drawing/2014/main" id="{5E28DF6D-2039-3F47-8359-716049CF01F5}"/>
-              </a:ext>
-            </a:extLst>
-          </p:cNvPr>
+            <a:endParaRPr lang="en-US" dirty="0"/>
+          </a:p>
+        </p:txBody>
+      </p:sp>
+      <p:sp>
+        <p:nvSpPr>
+          <p:cNvPr id="3" name="Vertical Text Placeholder 2"/>
           <p:cNvSpPr>
             <a:spLocks noGrp="1"/>
           </p:cNvSpPr>
@@ -426,18 +395,13 @@
               <a:rPr lang="en-US"/>
               <a:t>Fifth level</a:t>
             </a:r>
-          </a:p>
-        </p:txBody>
-      </p:sp>
-      <p:sp>
-        <p:nvSpPr>
-          <p:cNvPr id="4" name="Date Placeholder 3">
-            <a:extLst>
-              <a:ext uri="{FF2B5EF4-FFF2-40B4-BE49-F238E27FC236}">
-                <a16:creationId xmlns:a16="http://schemas.microsoft.com/office/drawing/2014/main" id="{56D5E8B0-9073-E94B-A0F7-A2FC3C799F91}"/>
-              </a:ext>
-            </a:extLst>
-          </p:cNvPr>
+            <a:endParaRPr lang="en-US" dirty="0"/>
+          </a:p>
+        </p:txBody>
+      </p:sp>
+      <p:sp>
+        <p:nvSpPr>
+          <p:cNvPr id="4" name="Date Placeholder 3"/>
           <p:cNvSpPr>
             <a:spLocks noGrp="1"/>
           </p:cNvSpPr>
@@ -460,13 +424,7 @@
       </p:sp>
       <p:sp>
         <p:nvSpPr>
-          <p:cNvPr id="5" name="Footer Placeholder 4">
-            <a:extLst>
-              <a:ext uri="{FF2B5EF4-FFF2-40B4-BE49-F238E27FC236}">
-                <a16:creationId xmlns:a16="http://schemas.microsoft.com/office/drawing/2014/main" id="{55C63D76-93AB-0844-BF06-99EB8D34E7DC}"/>
-              </a:ext>
-            </a:extLst>
-          </p:cNvPr>
+          <p:cNvPr id="5" name="Footer Placeholder 4"/>
           <p:cNvSpPr>
             <a:spLocks noGrp="1"/>
           </p:cNvSpPr>
@@ -485,13 +443,7 @@
       </p:sp>
       <p:sp>
         <p:nvSpPr>
-          <p:cNvPr id="6" name="Slide Number Placeholder 5">
-            <a:extLst>
-              <a:ext uri="{FF2B5EF4-FFF2-40B4-BE49-F238E27FC236}">
-                <a16:creationId xmlns:a16="http://schemas.microsoft.com/office/drawing/2014/main" id="{BC16BFA4-3784-E546-B4D3-95037F091281}"/>
-              </a:ext>
-            </a:extLst>
-          </p:cNvPr>
+          <p:cNvPr id="6" name="Slide Number Placeholder 5"/>
           <p:cNvSpPr>
             <a:spLocks noGrp="1"/>
           </p:cNvSpPr>
@@ -515,7 +467,7 @@
     </p:spTree>
     <p:extLst>
       <p:ext uri="{BB962C8B-B14F-4D97-AF65-F5344CB8AC3E}">
-        <p14:creationId xmlns:p14="http://schemas.microsoft.com/office/powerpoint/2010/main" val="2865898639"/>
+        <p14:creationId xmlns:p14="http://schemas.microsoft.com/office/powerpoint/2010/main" val="2868453038"/>
       </p:ext>
     </p:extLst>
   </p:cSld>
@@ -544,13 +496,7 @@
       </p:grpSpPr>
       <p:sp>
         <p:nvSpPr>
-          <p:cNvPr id="2" name="Vertical Title 1">
-            <a:extLst>
-              <a:ext uri="{FF2B5EF4-FFF2-40B4-BE49-F238E27FC236}">
-                <a16:creationId xmlns:a16="http://schemas.microsoft.com/office/drawing/2014/main" id="{07892266-C262-0849-86D3-73AB0E8CB657}"/>
-              </a:ext>
-            </a:extLst>
-          </p:cNvPr>
+          <p:cNvPr id="2" name="Vertical Title 1"/>
           <p:cNvSpPr>
             <a:spLocks noGrp="1"/>
           </p:cNvSpPr>
@@ -560,8 +506,8 @@
         </p:nvSpPr>
         <p:spPr>
           <a:xfrm>
-            <a:off x="8724900" y="365125"/>
-            <a:ext cx="2628900" cy="5811838"/>
+            <a:off x="9815512" y="410428"/>
+            <a:ext cx="2957513" cy="6532936"/>
           </a:xfrm>
         </p:spPr>
         <p:txBody>
@@ -572,18 +518,13 @@
               <a:rPr lang="en-US"/>
               <a:t>Click to edit Master title style</a:t>
             </a:r>
-          </a:p>
-        </p:txBody>
-      </p:sp>
-      <p:sp>
-        <p:nvSpPr>
-          <p:cNvPr id="3" name="Vertical Text Placeholder 2">
-            <a:extLst>
-              <a:ext uri="{FF2B5EF4-FFF2-40B4-BE49-F238E27FC236}">
-                <a16:creationId xmlns:a16="http://schemas.microsoft.com/office/drawing/2014/main" id="{F5E8DD29-6BF4-C94F-86B0-F04951B1B38C}"/>
-              </a:ext>
-            </a:extLst>
-          </p:cNvPr>
+            <a:endParaRPr lang="en-US" dirty="0"/>
+          </a:p>
+        </p:txBody>
+      </p:sp>
+      <p:sp>
+        <p:nvSpPr>
+          <p:cNvPr id="3" name="Vertical Text Placeholder 2"/>
           <p:cNvSpPr>
             <a:spLocks noGrp="1"/>
           </p:cNvSpPr>
@@ -593,8 +534,8 @@
         </p:nvSpPr>
         <p:spPr>
           <a:xfrm>
-            <a:off x="838200" y="365125"/>
-            <a:ext cx="7734300" cy="5811838"/>
+            <a:off x="942975" y="410428"/>
+            <a:ext cx="8701088" cy="6532936"/>
           </a:xfrm>
         </p:spPr>
         <p:txBody>
@@ -634,18 +575,13 @@
               <a:rPr lang="en-US"/>
               <a:t>Fifth level</a:t>
             </a:r>
-          </a:p>
-        </p:txBody>
-      </p:sp>
-      <p:sp>
-        <p:nvSpPr>
-          <p:cNvPr id="4" name="Date Placeholder 3">
-            <a:extLst>
-              <a:ext uri="{FF2B5EF4-FFF2-40B4-BE49-F238E27FC236}">
-                <a16:creationId xmlns:a16="http://schemas.microsoft.com/office/drawing/2014/main" id="{85B1691C-309F-7C48-BED0-D8CD532BF76A}"/>
-              </a:ext>
-            </a:extLst>
-          </p:cNvPr>
+            <a:endParaRPr lang="en-US" dirty="0"/>
+          </a:p>
+        </p:txBody>
+      </p:sp>
+      <p:sp>
+        <p:nvSpPr>
+          <p:cNvPr id="4" name="Date Placeholder 3"/>
           <p:cNvSpPr>
             <a:spLocks noGrp="1"/>
           </p:cNvSpPr>
@@ -668,13 +604,7 @@
       </p:sp>
       <p:sp>
         <p:nvSpPr>
-          <p:cNvPr id="5" name="Footer Placeholder 4">
-            <a:extLst>
-              <a:ext uri="{FF2B5EF4-FFF2-40B4-BE49-F238E27FC236}">
-                <a16:creationId xmlns:a16="http://schemas.microsoft.com/office/drawing/2014/main" id="{4DE3FD42-121A-164F-97EE-E4981CD7787F}"/>
-              </a:ext>
-            </a:extLst>
-          </p:cNvPr>
+          <p:cNvPr id="5" name="Footer Placeholder 4"/>
           <p:cNvSpPr>
             <a:spLocks noGrp="1"/>
           </p:cNvSpPr>
@@ -693,13 +623,7 @@
       </p:sp>
       <p:sp>
         <p:nvSpPr>
-          <p:cNvPr id="6" name="Slide Number Placeholder 5">
-            <a:extLst>
-              <a:ext uri="{FF2B5EF4-FFF2-40B4-BE49-F238E27FC236}">
-                <a16:creationId xmlns:a16="http://schemas.microsoft.com/office/drawing/2014/main" id="{43751377-43CF-2944-9E08-D0D7CDB7B5C1}"/>
-              </a:ext>
-            </a:extLst>
-          </p:cNvPr>
+          <p:cNvPr id="6" name="Slide Number Placeholder 5"/>
           <p:cNvSpPr>
             <a:spLocks noGrp="1"/>
           </p:cNvSpPr>
@@ -723,7 +647,7 @@
     </p:spTree>
     <p:extLst>
       <p:ext uri="{BB962C8B-B14F-4D97-AF65-F5344CB8AC3E}">
-        <p14:creationId xmlns:p14="http://schemas.microsoft.com/office/powerpoint/2010/main" val="40428499"/>
+        <p14:creationId xmlns:p14="http://schemas.microsoft.com/office/powerpoint/2010/main" val="2537079517"/>
       </p:ext>
     </p:extLst>
   </p:cSld>
@@ -752,13 +676,7 @@
       </p:grpSpPr>
       <p:sp>
         <p:nvSpPr>
-          <p:cNvPr id="2" name="Title 1">
-            <a:extLst>
-              <a:ext uri="{FF2B5EF4-FFF2-40B4-BE49-F238E27FC236}">
-                <a16:creationId xmlns:a16="http://schemas.microsoft.com/office/drawing/2014/main" id="{B23D265B-AE49-3543-89E8-BD4F6828C065}"/>
-              </a:ext>
-            </a:extLst>
-          </p:cNvPr>
+          <p:cNvPr id="2" name="Title 1"/>
           <p:cNvSpPr>
             <a:spLocks noGrp="1"/>
           </p:cNvSpPr>
@@ -775,18 +693,13 @@
               <a:rPr lang="en-US"/>
               <a:t>Click to edit Master title style</a:t>
             </a:r>
-          </a:p>
-        </p:txBody>
-      </p:sp>
-      <p:sp>
-        <p:nvSpPr>
-          <p:cNvPr id="3" name="Content Placeholder 2">
-            <a:extLst>
-              <a:ext uri="{FF2B5EF4-FFF2-40B4-BE49-F238E27FC236}">
-                <a16:creationId xmlns:a16="http://schemas.microsoft.com/office/drawing/2014/main" id="{9FB81C60-6D59-B449-B88B-74CB392429AD}"/>
-              </a:ext>
-            </a:extLst>
-          </p:cNvPr>
+            <a:endParaRPr lang="en-US" dirty="0"/>
+          </a:p>
+        </p:txBody>
+      </p:sp>
+      <p:sp>
+        <p:nvSpPr>
+          <p:cNvPr id="3" name="Content Placeholder 2"/>
           <p:cNvSpPr>
             <a:spLocks noGrp="1"/>
           </p:cNvSpPr>
@@ -832,18 +745,13 @@
               <a:rPr lang="en-US"/>
               <a:t>Fifth level</a:t>
             </a:r>
-          </a:p>
-        </p:txBody>
-      </p:sp>
-      <p:sp>
-        <p:nvSpPr>
-          <p:cNvPr id="4" name="Date Placeholder 3">
-            <a:extLst>
-              <a:ext uri="{FF2B5EF4-FFF2-40B4-BE49-F238E27FC236}">
-                <a16:creationId xmlns:a16="http://schemas.microsoft.com/office/drawing/2014/main" id="{882F449B-884D-F14A-95EC-2A175233345E}"/>
-              </a:ext>
-            </a:extLst>
-          </p:cNvPr>
+            <a:endParaRPr lang="en-US" dirty="0"/>
+          </a:p>
+        </p:txBody>
+      </p:sp>
+      <p:sp>
+        <p:nvSpPr>
+          <p:cNvPr id="4" name="Date Placeholder 3"/>
           <p:cNvSpPr>
             <a:spLocks noGrp="1"/>
           </p:cNvSpPr>
@@ -866,13 +774,7 @@
       </p:sp>
       <p:sp>
         <p:nvSpPr>
-          <p:cNvPr id="5" name="Footer Placeholder 4">
-            <a:extLst>
-              <a:ext uri="{FF2B5EF4-FFF2-40B4-BE49-F238E27FC236}">
-                <a16:creationId xmlns:a16="http://schemas.microsoft.com/office/drawing/2014/main" id="{028CC70D-311C-ED4F-99B7-F3C127890C2C}"/>
-              </a:ext>
-            </a:extLst>
-          </p:cNvPr>
+          <p:cNvPr id="5" name="Footer Placeholder 4"/>
           <p:cNvSpPr>
             <a:spLocks noGrp="1"/>
           </p:cNvSpPr>
@@ -891,13 +793,7 @@
       </p:sp>
       <p:sp>
         <p:nvSpPr>
-          <p:cNvPr id="6" name="Slide Number Placeholder 5">
-            <a:extLst>
-              <a:ext uri="{FF2B5EF4-FFF2-40B4-BE49-F238E27FC236}">
-                <a16:creationId xmlns:a16="http://schemas.microsoft.com/office/drawing/2014/main" id="{A564AEC3-246F-5B4F-8EE9-4370F7C7C475}"/>
-              </a:ext>
-            </a:extLst>
-          </p:cNvPr>
+          <p:cNvPr id="6" name="Slide Number Placeholder 5"/>
           <p:cNvSpPr>
             <a:spLocks noGrp="1"/>
           </p:cNvSpPr>
@@ -921,7 +817,7 @@
     </p:spTree>
     <p:extLst>
       <p:ext uri="{BB962C8B-B14F-4D97-AF65-F5344CB8AC3E}">
-        <p14:creationId xmlns:p14="http://schemas.microsoft.com/office/powerpoint/2010/main" val="2088030113"/>
+        <p14:creationId xmlns:p14="http://schemas.microsoft.com/office/powerpoint/2010/main" val="2577249387"/>
       </p:ext>
     </p:extLst>
   </p:cSld>
@@ -950,13 +846,7 @@
       </p:grpSpPr>
       <p:sp>
         <p:nvSpPr>
-          <p:cNvPr id="2" name="Title 1">
-            <a:extLst>
-              <a:ext uri="{FF2B5EF4-FFF2-40B4-BE49-F238E27FC236}">
-                <a16:creationId xmlns:a16="http://schemas.microsoft.com/office/drawing/2014/main" id="{876836FD-606A-3B43-A619-66579D41A5A8}"/>
-              </a:ext>
-            </a:extLst>
-          </p:cNvPr>
+          <p:cNvPr id="2" name="Title 1"/>
           <p:cNvSpPr>
             <a:spLocks noGrp="1"/>
           </p:cNvSpPr>
@@ -966,15 +856,15 @@
         </p:nvSpPr>
         <p:spPr>
           <a:xfrm>
-            <a:off x="831850" y="1709738"/>
-            <a:ext cx="10515600" cy="2852737"/>
+            <a:off x="935831" y="1921873"/>
+            <a:ext cx="11830050" cy="3206688"/>
           </a:xfrm>
         </p:spPr>
         <p:txBody>
           <a:bodyPr anchor="b"/>
           <a:lstStyle>
             <a:lvl1pPr>
-              <a:defRPr sz="6000"/>
+              <a:defRPr sz="6745"/>
             </a:lvl1pPr>
           </a:lstStyle>
           <a:p>
@@ -982,18 +872,13 @@
               <a:rPr lang="en-US"/>
               <a:t>Click to edit Master title style</a:t>
             </a:r>
-          </a:p>
-        </p:txBody>
-      </p:sp>
-      <p:sp>
-        <p:nvSpPr>
-          <p:cNvPr id="3" name="Text Placeholder 2">
-            <a:extLst>
-              <a:ext uri="{FF2B5EF4-FFF2-40B4-BE49-F238E27FC236}">
-                <a16:creationId xmlns:a16="http://schemas.microsoft.com/office/drawing/2014/main" id="{27242F36-9242-BE43-8576-7E009DB5F262}"/>
-              </a:ext>
-            </a:extLst>
-          </p:cNvPr>
+            <a:endParaRPr lang="en-US" dirty="0"/>
+          </a:p>
+        </p:txBody>
+      </p:sp>
+      <p:sp>
+        <p:nvSpPr>
+          <p:cNvPr id="3" name="Text Placeholder 2"/>
           <p:cNvSpPr>
             <a:spLocks noGrp="1"/>
           </p:cNvSpPr>
@@ -1003,8 +888,8 @@
         </p:nvSpPr>
         <p:spPr>
           <a:xfrm>
-            <a:off x="831850" y="4589463"/>
-            <a:ext cx="10515600" cy="1500187"/>
+            <a:off x="935831" y="5158897"/>
+            <a:ext cx="11830050" cy="1686321"/>
           </a:xfrm>
         </p:spPr>
         <p:txBody>
@@ -1012,7 +897,7 @@
           <a:lstStyle>
             <a:lvl1pPr marL="0" indent="0">
               <a:buNone/>
-              <a:defRPr sz="2400">
+              <a:defRPr sz="2698">
                 <a:solidFill>
                   <a:schemeClr val="tx1">
                     <a:tint val="75000"/>
@@ -1020,9 +905,9 @@
                 </a:solidFill>
               </a:defRPr>
             </a:lvl1pPr>
-            <a:lvl2pPr marL="457200" indent="0">
-              <a:buNone/>
-              <a:defRPr sz="2000">
+            <a:lvl2pPr marL="513939" indent="0">
+              <a:buNone/>
+              <a:defRPr sz="2248">
                 <a:solidFill>
                   <a:schemeClr val="tx1">
                     <a:tint val="75000"/>
@@ -1030,9 +915,9 @@
                 </a:solidFill>
               </a:defRPr>
             </a:lvl2pPr>
-            <a:lvl3pPr marL="914400" indent="0">
-              <a:buNone/>
-              <a:defRPr sz="1800">
+            <a:lvl3pPr marL="1027877" indent="0">
+              <a:buNone/>
+              <a:defRPr sz="2023">
                 <a:solidFill>
                   <a:schemeClr val="tx1">
                     <a:tint val="75000"/>
@@ -1040,9 +925,9 @@
                 </a:solidFill>
               </a:defRPr>
             </a:lvl3pPr>
-            <a:lvl4pPr marL="1371600" indent="0">
-              <a:buNone/>
-              <a:defRPr sz="1600">
+            <a:lvl4pPr marL="1541816" indent="0">
+              <a:buNone/>
+              <a:defRPr sz="1799">
                 <a:solidFill>
                   <a:schemeClr val="tx1">
                     <a:tint val="75000"/>
@@ -1050,9 +935,9 @@
                 </a:solidFill>
               </a:defRPr>
             </a:lvl4pPr>
-            <a:lvl5pPr marL="1828800" indent="0">
-              <a:buNone/>
-              <a:defRPr sz="1600">
+            <a:lvl5pPr marL="2055754" indent="0">
+              <a:buNone/>
+              <a:defRPr sz="1799">
                 <a:solidFill>
                   <a:schemeClr val="tx1">
                     <a:tint val="75000"/>
@@ -1060,9 +945,9 @@
                 </a:solidFill>
               </a:defRPr>
             </a:lvl5pPr>
-            <a:lvl6pPr marL="2286000" indent="0">
-              <a:buNone/>
-              <a:defRPr sz="1600">
+            <a:lvl6pPr marL="2569693" indent="0">
+              <a:buNone/>
+              <a:defRPr sz="1799">
                 <a:solidFill>
                   <a:schemeClr val="tx1">
                     <a:tint val="75000"/>
@@ -1070,9 +955,9 @@
                 </a:solidFill>
               </a:defRPr>
             </a:lvl6pPr>
-            <a:lvl7pPr marL="2743200" indent="0">
-              <a:buNone/>
-              <a:defRPr sz="1600">
+            <a:lvl7pPr marL="3083631" indent="0">
+              <a:buNone/>
+              <a:defRPr sz="1799">
                 <a:solidFill>
                   <a:schemeClr val="tx1">
                     <a:tint val="75000"/>
@@ -1080,9 +965,9 @@
                 </a:solidFill>
               </a:defRPr>
             </a:lvl7pPr>
-            <a:lvl8pPr marL="3200400" indent="0">
-              <a:buNone/>
-              <a:defRPr sz="1600">
+            <a:lvl8pPr marL="3597570" indent="0">
+              <a:buNone/>
+              <a:defRPr sz="1799">
                 <a:solidFill>
                   <a:schemeClr val="tx1">
                     <a:tint val="75000"/>
@@ -1090,9 +975,9 @@
                 </a:solidFill>
               </a:defRPr>
             </a:lvl8pPr>
-            <a:lvl9pPr marL="3657600" indent="0">
-              <a:buNone/>
-              <a:defRPr sz="1600">
+            <a:lvl9pPr marL="4111508" indent="0">
+              <a:buNone/>
+              <a:defRPr sz="1799">
                 <a:solidFill>
                   <a:schemeClr val="tx1">
                     <a:tint val="75000"/>
@@ -1112,13 +997,7 @@
       </p:sp>
       <p:sp>
         <p:nvSpPr>
-          <p:cNvPr id="4" name="Date Placeholder 3">
-            <a:extLst>
-              <a:ext uri="{FF2B5EF4-FFF2-40B4-BE49-F238E27FC236}">
-                <a16:creationId xmlns:a16="http://schemas.microsoft.com/office/drawing/2014/main" id="{FE74853D-E1DA-6442-82EE-D59F6D51FC7C}"/>
-              </a:ext>
-            </a:extLst>
-          </p:cNvPr>
+          <p:cNvPr id="4" name="Date Placeholder 3"/>
           <p:cNvSpPr>
             <a:spLocks noGrp="1"/>
           </p:cNvSpPr>
@@ -1141,13 +1020,7 @@
       </p:sp>
       <p:sp>
         <p:nvSpPr>
-          <p:cNvPr id="5" name="Footer Placeholder 4">
-            <a:extLst>
-              <a:ext uri="{FF2B5EF4-FFF2-40B4-BE49-F238E27FC236}">
-                <a16:creationId xmlns:a16="http://schemas.microsoft.com/office/drawing/2014/main" id="{4AD4CC48-D3F9-4440-A72F-3007B8789E91}"/>
-              </a:ext>
-            </a:extLst>
-          </p:cNvPr>
+          <p:cNvPr id="5" name="Footer Placeholder 4"/>
           <p:cNvSpPr>
             <a:spLocks noGrp="1"/>
           </p:cNvSpPr>
@@ -1166,13 +1039,7 @@
       </p:sp>
       <p:sp>
         <p:nvSpPr>
-          <p:cNvPr id="6" name="Slide Number Placeholder 5">
-            <a:extLst>
-              <a:ext uri="{FF2B5EF4-FFF2-40B4-BE49-F238E27FC236}">
-                <a16:creationId xmlns:a16="http://schemas.microsoft.com/office/drawing/2014/main" id="{40EC52C6-A86E-9E4D-9D84-CC38718D4B53}"/>
-              </a:ext>
-            </a:extLst>
-          </p:cNvPr>
+          <p:cNvPr id="6" name="Slide Number Placeholder 5"/>
           <p:cNvSpPr>
             <a:spLocks noGrp="1"/>
           </p:cNvSpPr>
@@ -1196,7 +1063,7 @@
     </p:spTree>
     <p:extLst>
       <p:ext uri="{BB962C8B-B14F-4D97-AF65-F5344CB8AC3E}">
-        <p14:creationId xmlns:p14="http://schemas.microsoft.com/office/powerpoint/2010/main" val="2760005527"/>
+        <p14:creationId xmlns:p14="http://schemas.microsoft.com/office/powerpoint/2010/main" val="2080555024"/>
       </p:ext>
     </p:extLst>
   </p:cSld>
@@ -1225,13 +1092,7 @@
       </p:grpSpPr>
       <p:sp>
         <p:nvSpPr>
-          <p:cNvPr id="2" name="Title 1">
-            <a:extLst>
-              <a:ext uri="{FF2B5EF4-FFF2-40B4-BE49-F238E27FC236}">
-                <a16:creationId xmlns:a16="http://schemas.microsoft.com/office/drawing/2014/main" id="{719D5E73-C537-EA40-9E4A-DEAF8C06EAB3}"/>
-              </a:ext>
-            </a:extLst>
-          </p:cNvPr>
+          <p:cNvPr id="2" name="Title 1"/>
           <p:cNvSpPr>
             <a:spLocks noGrp="1"/>
           </p:cNvSpPr>
@@ -1248,18 +1109,13 @@
               <a:rPr lang="en-US"/>
               <a:t>Click to edit Master title style</a:t>
             </a:r>
-          </a:p>
-        </p:txBody>
-      </p:sp>
-      <p:sp>
-        <p:nvSpPr>
-          <p:cNvPr id="3" name="Content Placeholder 2">
-            <a:extLst>
-              <a:ext uri="{FF2B5EF4-FFF2-40B4-BE49-F238E27FC236}">
-                <a16:creationId xmlns:a16="http://schemas.microsoft.com/office/drawing/2014/main" id="{12EDB3DE-217E-9B4F-A0A1-6BA44E23F069}"/>
-              </a:ext>
-            </a:extLst>
-          </p:cNvPr>
+            <a:endParaRPr lang="en-US" dirty="0"/>
+          </a:p>
+        </p:txBody>
+      </p:sp>
+      <p:sp>
+        <p:nvSpPr>
+          <p:cNvPr id="3" name="Content Placeholder 2"/>
           <p:cNvSpPr>
             <a:spLocks noGrp="1"/>
           </p:cNvSpPr>
@@ -1269,8 +1125,8 @@
         </p:nvSpPr>
         <p:spPr>
           <a:xfrm>
-            <a:off x="838200" y="1825625"/>
-            <a:ext cx="5181600" cy="4351338"/>
+            <a:off x="942975" y="2052138"/>
+            <a:ext cx="5829300" cy="4891226"/>
           </a:xfrm>
         </p:spPr>
         <p:txBody>
@@ -1310,18 +1166,13 @@
               <a:rPr lang="en-US"/>
               <a:t>Fifth level</a:t>
             </a:r>
-          </a:p>
-        </p:txBody>
-      </p:sp>
-      <p:sp>
-        <p:nvSpPr>
-          <p:cNvPr id="4" name="Content Placeholder 3">
-            <a:extLst>
-              <a:ext uri="{FF2B5EF4-FFF2-40B4-BE49-F238E27FC236}">
-                <a16:creationId xmlns:a16="http://schemas.microsoft.com/office/drawing/2014/main" id="{4F82634B-C768-A946-95A0-559B62E00E3B}"/>
-              </a:ext>
-            </a:extLst>
-          </p:cNvPr>
+            <a:endParaRPr lang="en-US" dirty="0"/>
+          </a:p>
+        </p:txBody>
+      </p:sp>
+      <p:sp>
+        <p:nvSpPr>
+          <p:cNvPr id="4" name="Content Placeholder 3"/>
           <p:cNvSpPr>
             <a:spLocks noGrp="1"/>
           </p:cNvSpPr>
@@ -1331,8 +1182,8 @@
         </p:nvSpPr>
         <p:spPr>
           <a:xfrm>
-            <a:off x="6172200" y="1825625"/>
-            <a:ext cx="5181600" cy="4351338"/>
+            <a:off x="6943725" y="2052138"/>
+            <a:ext cx="5829300" cy="4891226"/>
           </a:xfrm>
         </p:spPr>
         <p:txBody>
@@ -1372,18 +1223,13 @@
               <a:rPr lang="en-US"/>
               <a:t>Fifth level</a:t>
             </a:r>
-          </a:p>
-        </p:txBody>
-      </p:sp>
-      <p:sp>
-        <p:nvSpPr>
-          <p:cNvPr id="5" name="Date Placeholder 4">
-            <a:extLst>
-              <a:ext uri="{FF2B5EF4-FFF2-40B4-BE49-F238E27FC236}">
-                <a16:creationId xmlns:a16="http://schemas.microsoft.com/office/drawing/2014/main" id="{742C4868-DE6C-E848-BD49-62D2EABA6B65}"/>
-              </a:ext>
-            </a:extLst>
-          </p:cNvPr>
+            <a:endParaRPr lang="en-US" dirty="0"/>
+          </a:p>
+        </p:txBody>
+      </p:sp>
+      <p:sp>
+        <p:nvSpPr>
+          <p:cNvPr id="5" name="Date Placeholder 4"/>
           <p:cNvSpPr>
             <a:spLocks noGrp="1"/>
           </p:cNvSpPr>
@@ -1406,13 +1252,7 @@
       </p:sp>
       <p:sp>
         <p:nvSpPr>
-          <p:cNvPr id="6" name="Footer Placeholder 5">
-            <a:extLst>
-              <a:ext uri="{FF2B5EF4-FFF2-40B4-BE49-F238E27FC236}">
-                <a16:creationId xmlns:a16="http://schemas.microsoft.com/office/drawing/2014/main" id="{4642FBB7-50C3-154D-A781-01298517A6BD}"/>
-              </a:ext>
-            </a:extLst>
-          </p:cNvPr>
+          <p:cNvPr id="6" name="Footer Placeholder 5"/>
           <p:cNvSpPr>
             <a:spLocks noGrp="1"/>
           </p:cNvSpPr>
@@ -1431,13 +1271,7 @@
       </p:sp>
       <p:sp>
         <p:nvSpPr>
-          <p:cNvPr id="7" name="Slide Number Placeholder 6">
-            <a:extLst>
-              <a:ext uri="{FF2B5EF4-FFF2-40B4-BE49-F238E27FC236}">
-                <a16:creationId xmlns:a16="http://schemas.microsoft.com/office/drawing/2014/main" id="{27D73ED3-696F-0643-9E3F-B14214E1420B}"/>
-              </a:ext>
-            </a:extLst>
-          </p:cNvPr>
+          <p:cNvPr id="7" name="Slide Number Placeholder 6"/>
           <p:cNvSpPr>
             <a:spLocks noGrp="1"/>
           </p:cNvSpPr>
@@ -1461,7 +1295,7 @@
     </p:spTree>
     <p:extLst>
       <p:ext uri="{BB962C8B-B14F-4D97-AF65-F5344CB8AC3E}">
-        <p14:creationId xmlns:p14="http://schemas.microsoft.com/office/powerpoint/2010/main" val="865879764"/>
+        <p14:creationId xmlns:p14="http://schemas.microsoft.com/office/powerpoint/2010/main" val="2080485978"/>
       </p:ext>
     </p:extLst>
   </p:cSld>
@@ -1490,13 +1324,7 @@
       </p:grpSpPr>
       <p:sp>
         <p:nvSpPr>
-          <p:cNvPr id="2" name="Title 1">
-            <a:extLst>
-              <a:ext uri="{FF2B5EF4-FFF2-40B4-BE49-F238E27FC236}">
-                <a16:creationId xmlns:a16="http://schemas.microsoft.com/office/drawing/2014/main" id="{674AB5F1-AFFA-874E-9C47-2BE6E111D952}"/>
-              </a:ext>
-            </a:extLst>
-          </p:cNvPr>
+          <p:cNvPr id="2" name="Title 1"/>
           <p:cNvSpPr>
             <a:spLocks noGrp="1"/>
           </p:cNvSpPr>
@@ -1506,8 +1334,8 @@
         </p:nvSpPr>
         <p:spPr>
           <a:xfrm>
-            <a:off x="839788" y="365125"/>
-            <a:ext cx="10515600" cy="1325563"/>
+            <a:off x="944762" y="410428"/>
+            <a:ext cx="11830050" cy="1490031"/>
           </a:xfrm>
         </p:spPr>
         <p:txBody>
@@ -1518,18 +1346,13 @@
               <a:rPr lang="en-US"/>
               <a:t>Click to edit Master title style</a:t>
             </a:r>
-          </a:p>
-        </p:txBody>
-      </p:sp>
-      <p:sp>
-        <p:nvSpPr>
-          <p:cNvPr id="3" name="Text Placeholder 2">
-            <a:extLst>
-              <a:ext uri="{FF2B5EF4-FFF2-40B4-BE49-F238E27FC236}">
-                <a16:creationId xmlns:a16="http://schemas.microsoft.com/office/drawing/2014/main" id="{03F7F3F8-E88A-F049-A4EC-EBD20D2D8840}"/>
-              </a:ext>
-            </a:extLst>
-          </p:cNvPr>
+            <a:endParaRPr lang="en-US" dirty="0"/>
+          </a:p>
+        </p:txBody>
+      </p:sp>
+      <p:sp>
+        <p:nvSpPr>
+          <p:cNvPr id="3" name="Text Placeholder 2"/>
           <p:cNvSpPr>
             <a:spLocks noGrp="1"/>
           </p:cNvSpPr>
@@ -1539,8 +1362,8 @@
         </p:nvSpPr>
         <p:spPr>
           <a:xfrm>
-            <a:off x="839788" y="1681163"/>
-            <a:ext cx="5157787" cy="823912"/>
+            <a:off x="944762" y="1889752"/>
+            <a:ext cx="5802510" cy="926138"/>
           </a:xfrm>
         </p:spPr>
         <p:txBody>
@@ -1548,39 +1371,39 @@
           <a:lstStyle>
             <a:lvl1pPr marL="0" indent="0">
               <a:buNone/>
-              <a:defRPr sz="2400" b="1"/>
+              <a:defRPr sz="2698" b="1"/>
             </a:lvl1pPr>
-            <a:lvl2pPr marL="457200" indent="0">
-              <a:buNone/>
-              <a:defRPr sz="2000" b="1"/>
+            <a:lvl2pPr marL="513939" indent="0">
+              <a:buNone/>
+              <a:defRPr sz="2248" b="1"/>
             </a:lvl2pPr>
-            <a:lvl3pPr marL="914400" indent="0">
-              <a:buNone/>
-              <a:defRPr sz="1800" b="1"/>
+            <a:lvl3pPr marL="1027877" indent="0">
+              <a:buNone/>
+              <a:defRPr sz="2023" b="1"/>
             </a:lvl3pPr>
-            <a:lvl4pPr marL="1371600" indent="0">
-              <a:buNone/>
-              <a:defRPr sz="1600" b="1"/>
+            <a:lvl4pPr marL="1541816" indent="0">
+              <a:buNone/>
+              <a:defRPr sz="1799" b="1"/>
             </a:lvl4pPr>
-            <a:lvl5pPr marL="1828800" indent="0">
-              <a:buNone/>
-              <a:defRPr sz="1600" b="1"/>
+            <a:lvl5pPr marL="2055754" indent="0">
+              <a:buNone/>
+              <a:defRPr sz="1799" b="1"/>
             </a:lvl5pPr>
-            <a:lvl6pPr marL="2286000" indent="0">
-              <a:buNone/>
-              <a:defRPr sz="1600" b="1"/>
+            <a:lvl6pPr marL="2569693" indent="0">
+              <a:buNone/>
+              <a:defRPr sz="1799" b="1"/>
             </a:lvl6pPr>
-            <a:lvl7pPr marL="2743200" indent="0">
-              <a:buNone/>
-              <a:defRPr sz="1600" b="1"/>
+            <a:lvl7pPr marL="3083631" indent="0">
+              <a:buNone/>
+              <a:defRPr sz="1799" b="1"/>
             </a:lvl7pPr>
-            <a:lvl8pPr marL="3200400" indent="0">
-              <a:buNone/>
-              <a:defRPr sz="1600" b="1"/>
+            <a:lvl8pPr marL="3597570" indent="0">
+              <a:buNone/>
+              <a:defRPr sz="1799" b="1"/>
             </a:lvl8pPr>
-            <a:lvl9pPr marL="3657600" indent="0">
-              <a:buNone/>
-              <a:defRPr sz="1600" b="1"/>
+            <a:lvl9pPr marL="4111508" indent="0">
+              <a:buNone/>
+              <a:defRPr sz="1799" b="1"/>
             </a:lvl9pPr>
           </a:lstStyle>
           <a:p>
@@ -1594,13 +1417,7 @@
       </p:sp>
       <p:sp>
         <p:nvSpPr>
-          <p:cNvPr id="4" name="Content Placeholder 3">
-            <a:extLst>
-              <a:ext uri="{FF2B5EF4-FFF2-40B4-BE49-F238E27FC236}">
-                <a16:creationId xmlns:a16="http://schemas.microsoft.com/office/drawing/2014/main" id="{3721C506-4E71-C44C-A3A4-DE2AD7F016DA}"/>
-              </a:ext>
-            </a:extLst>
-          </p:cNvPr>
+          <p:cNvPr id="4" name="Content Placeholder 3"/>
           <p:cNvSpPr>
             <a:spLocks noGrp="1"/>
           </p:cNvSpPr>
@@ -1610,8 +1427,8 @@
         </p:nvSpPr>
         <p:spPr>
           <a:xfrm>
-            <a:off x="839788" y="2505075"/>
-            <a:ext cx="5157787" cy="3684588"/>
+            <a:off x="944762" y="2815890"/>
+            <a:ext cx="5802510" cy="4141750"/>
           </a:xfrm>
         </p:spPr>
         <p:txBody>
@@ -1651,18 +1468,13 @@
               <a:rPr lang="en-US"/>
               <a:t>Fifth level</a:t>
             </a:r>
-          </a:p>
-        </p:txBody>
-      </p:sp>
-      <p:sp>
-        <p:nvSpPr>
-          <p:cNvPr id="5" name="Text Placeholder 4">
-            <a:extLst>
-              <a:ext uri="{FF2B5EF4-FFF2-40B4-BE49-F238E27FC236}">
-                <a16:creationId xmlns:a16="http://schemas.microsoft.com/office/drawing/2014/main" id="{20C63F38-4EA6-604B-953F-04DF719CD032}"/>
-              </a:ext>
-            </a:extLst>
-          </p:cNvPr>
+            <a:endParaRPr lang="en-US" dirty="0"/>
+          </a:p>
+        </p:txBody>
+      </p:sp>
+      <p:sp>
+        <p:nvSpPr>
+          <p:cNvPr id="5" name="Text Placeholder 4"/>
           <p:cNvSpPr>
             <a:spLocks noGrp="1"/>
           </p:cNvSpPr>
@@ -1672,8 +1484,8 @@
         </p:nvSpPr>
         <p:spPr>
           <a:xfrm>
-            <a:off x="6172200" y="1681163"/>
-            <a:ext cx="5183188" cy="823912"/>
+            <a:off x="6943725" y="1889752"/>
+            <a:ext cx="5831087" cy="926138"/>
           </a:xfrm>
         </p:spPr>
         <p:txBody>
@@ -1681,39 +1493,39 @@
           <a:lstStyle>
             <a:lvl1pPr marL="0" indent="0">
               <a:buNone/>
-              <a:defRPr sz="2400" b="1"/>
+              <a:defRPr sz="2698" b="1"/>
             </a:lvl1pPr>
-            <a:lvl2pPr marL="457200" indent="0">
-              <a:buNone/>
-              <a:defRPr sz="2000" b="1"/>
+            <a:lvl2pPr marL="513939" indent="0">
+              <a:buNone/>
+              <a:defRPr sz="2248" b="1"/>
             </a:lvl2pPr>
-            <a:lvl3pPr marL="914400" indent="0">
-              <a:buNone/>
-              <a:defRPr sz="1800" b="1"/>
+            <a:lvl3pPr marL="1027877" indent="0">
+              <a:buNone/>
+              <a:defRPr sz="2023" b="1"/>
             </a:lvl3pPr>
-            <a:lvl4pPr marL="1371600" indent="0">
-              <a:buNone/>
-              <a:defRPr sz="1600" b="1"/>
+            <a:lvl4pPr marL="1541816" indent="0">
+              <a:buNone/>
+              <a:defRPr sz="1799" b="1"/>
             </a:lvl4pPr>
-            <a:lvl5pPr marL="1828800" indent="0">
-              <a:buNone/>
-              <a:defRPr sz="1600" b="1"/>
+            <a:lvl5pPr marL="2055754" indent="0">
+              <a:buNone/>
+              <a:defRPr sz="1799" b="1"/>
             </a:lvl5pPr>
-            <a:lvl6pPr marL="2286000" indent="0">
-              <a:buNone/>
-              <a:defRPr sz="1600" b="1"/>
+            <a:lvl6pPr marL="2569693" indent="0">
+              <a:buNone/>
+              <a:defRPr sz="1799" b="1"/>
             </a:lvl6pPr>
-            <a:lvl7pPr marL="2743200" indent="0">
-              <a:buNone/>
-              <a:defRPr sz="1600" b="1"/>
+            <a:lvl7pPr marL="3083631" indent="0">
+              <a:buNone/>
+              <a:defRPr sz="1799" b="1"/>
             </a:lvl7pPr>
-            <a:lvl8pPr marL="3200400" indent="0">
-              <a:buNone/>
-              <a:defRPr sz="1600" b="1"/>
+            <a:lvl8pPr marL="3597570" indent="0">
+              <a:buNone/>
+              <a:defRPr sz="1799" b="1"/>
             </a:lvl8pPr>
-            <a:lvl9pPr marL="3657600" indent="0">
-              <a:buNone/>
-              <a:defRPr sz="1600" b="1"/>
+            <a:lvl9pPr marL="4111508" indent="0">
+              <a:buNone/>
+              <a:defRPr sz="1799" b="1"/>
             </a:lvl9pPr>
           </a:lstStyle>
           <a:p>
@@ -1727,13 +1539,7 @@
       </p:sp>
       <p:sp>
         <p:nvSpPr>
-          <p:cNvPr id="6" name="Content Placeholder 5">
-            <a:extLst>
-              <a:ext uri="{FF2B5EF4-FFF2-40B4-BE49-F238E27FC236}">
-                <a16:creationId xmlns:a16="http://schemas.microsoft.com/office/drawing/2014/main" id="{617EBBF9-8C8B-FF4B-9BA9-872213ECBD3B}"/>
-              </a:ext>
-            </a:extLst>
-          </p:cNvPr>
+          <p:cNvPr id="6" name="Content Placeholder 5"/>
           <p:cNvSpPr>
             <a:spLocks noGrp="1"/>
           </p:cNvSpPr>
@@ -1743,8 +1549,8 @@
         </p:nvSpPr>
         <p:spPr>
           <a:xfrm>
-            <a:off x="6172200" y="2505075"/>
-            <a:ext cx="5183188" cy="3684588"/>
+            <a:off x="6943725" y="2815890"/>
+            <a:ext cx="5831087" cy="4141750"/>
           </a:xfrm>
         </p:spPr>
         <p:txBody>
@@ -1784,18 +1590,13 @@
               <a:rPr lang="en-US"/>
               <a:t>Fifth level</a:t>
             </a:r>
-          </a:p>
-        </p:txBody>
-      </p:sp>
-      <p:sp>
-        <p:nvSpPr>
-          <p:cNvPr id="7" name="Date Placeholder 6">
-            <a:extLst>
-              <a:ext uri="{FF2B5EF4-FFF2-40B4-BE49-F238E27FC236}">
-                <a16:creationId xmlns:a16="http://schemas.microsoft.com/office/drawing/2014/main" id="{F5D55EAD-68F4-384D-A20D-1103335D7102}"/>
-              </a:ext>
-            </a:extLst>
-          </p:cNvPr>
+            <a:endParaRPr lang="en-US" dirty="0"/>
+          </a:p>
+        </p:txBody>
+      </p:sp>
+      <p:sp>
+        <p:nvSpPr>
+          <p:cNvPr id="7" name="Date Placeholder 6"/>
           <p:cNvSpPr>
             <a:spLocks noGrp="1"/>
           </p:cNvSpPr>
@@ -1818,13 +1619,7 @@
       </p:sp>
       <p:sp>
         <p:nvSpPr>
-          <p:cNvPr id="8" name="Footer Placeholder 7">
-            <a:extLst>
-              <a:ext uri="{FF2B5EF4-FFF2-40B4-BE49-F238E27FC236}">
-                <a16:creationId xmlns:a16="http://schemas.microsoft.com/office/drawing/2014/main" id="{67E984FA-E0A6-7F4F-AA77-33BE0B77C9C0}"/>
-              </a:ext>
-            </a:extLst>
-          </p:cNvPr>
+          <p:cNvPr id="8" name="Footer Placeholder 7"/>
           <p:cNvSpPr>
             <a:spLocks noGrp="1"/>
           </p:cNvSpPr>
@@ -1843,13 +1638,7 @@
       </p:sp>
       <p:sp>
         <p:nvSpPr>
-          <p:cNvPr id="9" name="Slide Number Placeholder 8">
-            <a:extLst>
-              <a:ext uri="{FF2B5EF4-FFF2-40B4-BE49-F238E27FC236}">
-                <a16:creationId xmlns:a16="http://schemas.microsoft.com/office/drawing/2014/main" id="{67103F74-C0CF-2B4C-927F-699FAE25652A}"/>
-              </a:ext>
-            </a:extLst>
-          </p:cNvPr>
+          <p:cNvPr id="9" name="Slide Number Placeholder 8"/>
           <p:cNvSpPr>
             <a:spLocks noGrp="1"/>
           </p:cNvSpPr>
@@ -1873,7 +1662,7 @@
     </p:spTree>
     <p:extLst>
       <p:ext uri="{BB962C8B-B14F-4D97-AF65-F5344CB8AC3E}">
-        <p14:creationId xmlns:p14="http://schemas.microsoft.com/office/powerpoint/2010/main" val="345446574"/>
+        <p14:creationId xmlns:p14="http://schemas.microsoft.com/office/powerpoint/2010/main" val="3437772795"/>
       </p:ext>
     </p:extLst>
   </p:cSld>
@@ -1902,13 +1691,7 @@
       </p:grpSpPr>
       <p:sp>
         <p:nvSpPr>
-          <p:cNvPr id="2" name="Title 1">
-            <a:extLst>
-              <a:ext uri="{FF2B5EF4-FFF2-40B4-BE49-F238E27FC236}">
-                <a16:creationId xmlns:a16="http://schemas.microsoft.com/office/drawing/2014/main" id="{C532FEB4-99D8-E141-BCDB-189385F432D2}"/>
-              </a:ext>
-            </a:extLst>
-          </p:cNvPr>
+          <p:cNvPr id="2" name="Title 1"/>
           <p:cNvSpPr>
             <a:spLocks noGrp="1"/>
           </p:cNvSpPr>
@@ -1925,18 +1708,13 @@
               <a:rPr lang="en-US"/>
               <a:t>Click to edit Master title style</a:t>
             </a:r>
-          </a:p>
-        </p:txBody>
-      </p:sp>
-      <p:sp>
-        <p:nvSpPr>
-          <p:cNvPr id="3" name="Date Placeholder 2">
-            <a:extLst>
-              <a:ext uri="{FF2B5EF4-FFF2-40B4-BE49-F238E27FC236}">
-                <a16:creationId xmlns:a16="http://schemas.microsoft.com/office/drawing/2014/main" id="{85C2713E-ED4F-B840-A31F-1DBD8A6C27E4}"/>
-              </a:ext>
-            </a:extLst>
-          </p:cNvPr>
+            <a:endParaRPr lang="en-US" dirty="0"/>
+          </a:p>
+        </p:txBody>
+      </p:sp>
+      <p:sp>
+        <p:nvSpPr>
+          <p:cNvPr id="3" name="Date Placeholder 2"/>
           <p:cNvSpPr>
             <a:spLocks noGrp="1"/>
           </p:cNvSpPr>
@@ -1959,13 +1737,7 @@
       </p:sp>
       <p:sp>
         <p:nvSpPr>
-          <p:cNvPr id="4" name="Footer Placeholder 3">
-            <a:extLst>
-              <a:ext uri="{FF2B5EF4-FFF2-40B4-BE49-F238E27FC236}">
-                <a16:creationId xmlns:a16="http://schemas.microsoft.com/office/drawing/2014/main" id="{19B7D191-4ECD-7842-8B28-7A7F29F243A8}"/>
-              </a:ext>
-            </a:extLst>
-          </p:cNvPr>
+          <p:cNvPr id="4" name="Footer Placeholder 3"/>
           <p:cNvSpPr>
             <a:spLocks noGrp="1"/>
           </p:cNvSpPr>
@@ -1984,13 +1756,7 @@
       </p:sp>
       <p:sp>
         <p:nvSpPr>
-          <p:cNvPr id="5" name="Slide Number Placeholder 4">
-            <a:extLst>
-              <a:ext uri="{FF2B5EF4-FFF2-40B4-BE49-F238E27FC236}">
-                <a16:creationId xmlns:a16="http://schemas.microsoft.com/office/drawing/2014/main" id="{B96B6E59-3683-D64D-BDC5-20B724D69B1D}"/>
-              </a:ext>
-            </a:extLst>
-          </p:cNvPr>
+          <p:cNvPr id="5" name="Slide Number Placeholder 4"/>
           <p:cNvSpPr>
             <a:spLocks noGrp="1"/>
           </p:cNvSpPr>
@@ -2014,7 +1780,7 @@
     </p:spTree>
     <p:extLst>
       <p:ext uri="{BB962C8B-B14F-4D97-AF65-F5344CB8AC3E}">
-        <p14:creationId xmlns:p14="http://schemas.microsoft.com/office/powerpoint/2010/main" val="711811918"/>
+        <p14:creationId xmlns:p14="http://schemas.microsoft.com/office/powerpoint/2010/main" val="2132963957"/>
       </p:ext>
     </p:extLst>
   </p:cSld>
@@ -2043,13 +1809,7 @@
       </p:grpSpPr>
       <p:sp>
         <p:nvSpPr>
-          <p:cNvPr id="2" name="Date Placeholder 1">
-            <a:extLst>
-              <a:ext uri="{FF2B5EF4-FFF2-40B4-BE49-F238E27FC236}">
-                <a16:creationId xmlns:a16="http://schemas.microsoft.com/office/drawing/2014/main" id="{9E5EC86E-4463-364F-9443-D7864493F450}"/>
-              </a:ext>
-            </a:extLst>
-          </p:cNvPr>
+          <p:cNvPr id="2" name="Date Placeholder 1"/>
           <p:cNvSpPr>
             <a:spLocks noGrp="1"/>
           </p:cNvSpPr>
@@ -2072,13 +1832,7 @@
       </p:sp>
       <p:sp>
         <p:nvSpPr>
-          <p:cNvPr id="3" name="Footer Placeholder 2">
-            <a:extLst>
-              <a:ext uri="{FF2B5EF4-FFF2-40B4-BE49-F238E27FC236}">
-                <a16:creationId xmlns:a16="http://schemas.microsoft.com/office/drawing/2014/main" id="{D4E03BA2-3B60-0645-8542-53C3D6947399}"/>
-              </a:ext>
-            </a:extLst>
-          </p:cNvPr>
+          <p:cNvPr id="3" name="Footer Placeholder 2"/>
           <p:cNvSpPr>
             <a:spLocks noGrp="1"/>
           </p:cNvSpPr>
@@ -2097,13 +1851,7 @@
       </p:sp>
       <p:sp>
         <p:nvSpPr>
-          <p:cNvPr id="4" name="Slide Number Placeholder 3">
-            <a:extLst>
-              <a:ext uri="{FF2B5EF4-FFF2-40B4-BE49-F238E27FC236}">
-                <a16:creationId xmlns:a16="http://schemas.microsoft.com/office/drawing/2014/main" id="{2608D4B1-2CC1-BE40-B81C-8181911559BA}"/>
-              </a:ext>
-            </a:extLst>
-          </p:cNvPr>
+          <p:cNvPr id="4" name="Slide Number Placeholder 3"/>
           <p:cNvSpPr>
             <a:spLocks noGrp="1"/>
           </p:cNvSpPr>
@@ -2127,7 +1875,7 @@
     </p:spTree>
     <p:extLst>
       <p:ext uri="{BB962C8B-B14F-4D97-AF65-F5344CB8AC3E}">
-        <p14:creationId xmlns:p14="http://schemas.microsoft.com/office/powerpoint/2010/main" val="2328244591"/>
+        <p14:creationId xmlns:p14="http://schemas.microsoft.com/office/powerpoint/2010/main" val="1423168311"/>
       </p:ext>
     </p:extLst>
   </p:cSld>
@@ -2156,13 +1904,7 @@
       </p:grpSpPr>
       <p:sp>
         <p:nvSpPr>
-          <p:cNvPr id="2" name="Title 1">
-            <a:extLst>
-              <a:ext uri="{FF2B5EF4-FFF2-40B4-BE49-F238E27FC236}">
-                <a16:creationId xmlns:a16="http://schemas.microsoft.com/office/drawing/2014/main" id="{C2DFA7B9-ACD3-7343-90D8-321B697D193A}"/>
-              </a:ext>
-            </a:extLst>
-          </p:cNvPr>
+          <p:cNvPr id="2" name="Title 1"/>
           <p:cNvSpPr>
             <a:spLocks noGrp="1"/>
           </p:cNvSpPr>
@@ -2172,15 +1914,15 @@
         </p:nvSpPr>
         <p:spPr>
           <a:xfrm>
-            <a:off x="839788" y="457200"/>
-            <a:ext cx="3932237" cy="1600200"/>
+            <a:off x="944762" y="513927"/>
+            <a:ext cx="4423767" cy="1798743"/>
           </a:xfrm>
         </p:spPr>
         <p:txBody>
           <a:bodyPr anchor="b"/>
           <a:lstStyle>
             <a:lvl1pPr>
-              <a:defRPr sz="3200"/>
+              <a:defRPr sz="3597"/>
             </a:lvl1pPr>
           </a:lstStyle>
           <a:p>
@@ -2188,18 +1930,13 @@
               <a:rPr lang="en-US"/>
               <a:t>Click to edit Master title style</a:t>
             </a:r>
-          </a:p>
-        </p:txBody>
-      </p:sp>
-      <p:sp>
-        <p:nvSpPr>
-          <p:cNvPr id="3" name="Content Placeholder 2">
-            <a:extLst>
-              <a:ext uri="{FF2B5EF4-FFF2-40B4-BE49-F238E27FC236}">
-                <a16:creationId xmlns:a16="http://schemas.microsoft.com/office/drawing/2014/main" id="{6D937975-A9D1-4046-B89E-68B33BADDB20}"/>
-              </a:ext>
-            </a:extLst>
-          </p:cNvPr>
+            <a:endParaRPr lang="en-US" dirty="0"/>
+          </a:p>
+        </p:txBody>
+      </p:sp>
+      <p:sp>
+        <p:nvSpPr>
+          <p:cNvPr id="3" name="Content Placeholder 2"/>
           <p:cNvSpPr>
             <a:spLocks noGrp="1"/>
           </p:cNvSpPr>
@@ -2209,39 +1946,39 @@
         </p:nvSpPr>
         <p:spPr>
           <a:xfrm>
-            <a:off x="5183188" y="987425"/>
-            <a:ext cx="6172200" cy="4873625"/>
+            <a:off x="5831087" y="1109939"/>
+            <a:ext cx="6943725" cy="5478316"/>
           </a:xfrm>
         </p:spPr>
         <p:txBody>
           <a:bodyPr/>
           <a:lstStyle>
             <a:lvl1pPr>
-              <a:defRPr sz="3200"/>
+              <a:defRPr sz="3597"/>
             </a:lvl1pPr>
             <a:lvl2pPr>
-              <a:defRPr sz="2800"/>
+              <a:defRPr sz="3147"/>
             </a:lvl2pPr>
             <a:lvl3pPr>
-              <a:defRPr sz="2400"/>
+              <a:defRPr sz="2698"/>
             </a:lvl3pPr>
             <a:lvl4pPr>
-              <a:defRPr sz="2000"/>
+              <a:defRPr sz="2248"/>
             </a:lvl4pPr>
             <a:lvl5pPr>
-              <a:defRPr sz="2000"/>
+              <a:defRPr sz="2248"/>
             </a:lvl5pPr>
             <a:lvl6pPr>
-              <a:defRPr sz="2000"/>
+              <a:defRPr sz="2248"/>
             </a:lvl6pPr>
             <a:lvl7pPr>
-              <a:defRPr sz="2000"/>
+              <a:defRPr sz="2248"/>
             </a:lvl7pPr>
             <a:lvl8pPr>
-              <a:defRPr sz="2000"/>
+              <a:defRPr sz="2248"/>
             </a:lvl8pPr>
             <a:lvl9pPr>
-              <a:defRPr sz="2000"/>
+              <a:defRPr sz="2248"/>
             </a:lvl9pPr>
           </a:lstStyle>
           <a:p>
@@ -2278,18 +2015,13 @@
               <a:rPr lang="en-US"/>
               <a:t>Fifth level</a:t>
             </a:r>
-          </a:p>
-        </p:txBody>
-      </p:sp>
-      <p:sp>
-        <p:nvSpPr>
-          <p:cNvPr id="4" name="Text Placeholder 3">
-            <a:extLst>
-              <a:ext uri="{FF2B5EF4-FFF2-40B4-BE49-F238E27FC236}">
-                <a16:creationId xmlns:a16="http://schemas.microsoft.com/office/drawing/2014/main" id="{9B2BEB7D-7B04-5745-B4D4-9BEAE8A530AE}"/>
-              </a:ext>
-            </a:extLst>
-          </p:cNvPr>
+            <a:endParaRPr lang="en-US" dirty="0"/>
+          </a:p>
+        </p:txBody>
+      </p:sp>
+      <p:sp>
+        <p:nvSpPr>
+          <p:cNvPr id="4" name="Text Placeholder 3"/>
           <p:cNvSpPr>
             <a:spLocks noGrp="1"/>
           </p:cNvSpPr>
@@ -2299,8 +2031,8 @@
         </p:nvSpPr>
         <p:spPr>
           <a:xfrm>
-            <a:off x="839788" y="2057400"/>
-            <a:ext cx="3932237" cy="3811588"/>
+            <a:off x="944762" y="2312670"/>
+            <a:ext cx="4423767" cy="4284507"/>
           </a:xfrm>
         </p:spPr>
         <p:txBody>
@@ -2308,39 +2040,39 @@
           <a:lstStyle>
             <a:lvl1pPr marL="0" indent="0">
               <a:buNone/>
-              <a:defRPr sz="1600"/>
+              <a:defRPr sz="1799"/>
             </a:lvl1pPr>
-            <a:lvl2pPr marL="457200" indent="0">
-              <a:buNone/>
-              <a:defRPr sz="1400"/>
+            <a:lvl2pPr marL="513939" indent="0">
+              <a:buNone/>
+              <a:defRPr sz="1574"/>
             </a:lvl2pPr>
-            <a:lvl3pPr marL="914400" indent="0">
-              <a:buNone/>
-              <a:defRPr sz="1200"/>
+            <a:lvl3pPr marL="1027877" indent="0">
+              <a:buNone/>
+              <a:defRPr sz="1349"/>
             </a:lvl3pPr>
-            <a:lvl4pPr marL="1371600" indent="0">
-              <a:buNone/>
-              <a:defRPr sz="1000"/>
+            <a:lvl4pPr marL="1541816" indent="0">
+              <a:buNone/>
+              <a:defRPr sz="1124"/>
             </a:lvl4pPr>
-            <a:lvl5pPr marL="1828800" indent="0">
-              <a:buNone/>
-              <a:defRPr sz="1000"/>
+            <a:lvl5pPr marL="2055754" indent="0">
+              <a:buNone/>
+              <a:defRPr sz="1124"/>
             </a:lvl5pPr>
-            <a:lvl6pPr marL="2286000" indent="0">
-              <a:buNone/>
-              <a:defRPr sz="1000"/>
+            <a:lvl6pPr marL="2569693" indent="0">
+              <a:buNone/>
+              <a:defRPr sz="1124"/>
             </a:lvl6pPr>
-            <a:lvl7pPr marL="2743200" indent="0">
-              <a:buNone/>
-              <a:defRPr sz="1000"/>
+            <a:lvl7pPr marL="3083631" indent="0">
+              <a:buNone/>
+              <a:defRPr sz="1124"/>
             </a:lvl7pPr>
-            <a:lvl8pPr marL="3200400" indent="0">
-              <a:buNone/>
-              <a:defRPr sz="1000"/>
+            <a:lvl8pPr marL="3597570" indent="0">
+              <a:buNone/>
+              <a:defRPr sz="1124"/>
             </a:lvl8pPr>
-            <a:lvl9pPr marL="3657600" indent="0">
-              <a:buNone/>
-              <a:defRPr sz="1000"/>
+            <a:lvl9pPr marL="4111508" indent="0">
+              <a:buNone/>
+              <a:defRPr sz="1124"/>
             </a:lvl9pPr>
           </a:lstStyle>
           <a:p>
@@ -2354,13 +2086,7 @@
       </p:sp>
       <p:sp>
         <p:nvSpPr>
-          <p:cNvPr id="5" name="Date Placeholder 4">
-            <a:extLst>
-              <a:ext uri="{FF2B5EF4-FFF2-40B4-BE49-F238E27FC236}">
-                <a16:creationId xmlns:a16="http://schemas.microsoft.com/office/drawing/2014/main" id="{2D3A4C09-FFC4-8046-9364-4B7BECBF2F09}"/>
-              </a:ext>
-            </a:extLst>
-          </p:cNvPr>
+          <p:cNvPr id="5" name="Date Placeholder 4"/>
           <p:cNvSpPr>
             <a:spLocks noGrp="1"/>
           </p:cNvSpPr>
@@ -2383,13 +2109,7 @@
       </p:sp>
       <p:sp>
         <p:nvSpPr>
-          <p:cNvPr id="6" name="Footer Placeholder 5">
-            <a:extLst>
-              <a:ext uri="{FF2B5EF4-FFF2-40B4-BE49-F238E27FC236}">
-                <a16:creationId xmlns:a16="http://schemas.microsoft.com/office/drawing/2014/main" id="{843D7866-296A-7F43-A6E9-1ABD1D9A4D64}"/>
-              </a:ext>
-            </a:extLst>
-          </p:cNvPr>
+          <p:cNvPr id="6" name="Footer Placeholder 5"/>
           <p:cNvSpPr>
             <a:spLocks noGrp="1"/>
           </p:cNvSpPr>
@@ -2408,13 +2128,7 @@
       </p:sp>
       <p:sp>
         <p:nvSpPr>
-          <p:cNvPr id="7" name="Slide Number Placeholder 6">
-            <a:extLst>
-              <a:ext uri="{FF2B5EF4-FFF2-40B4-BE49-F238E27FC236}">
-                <a16:creationId xmlns:a16="http://schemas.microsoft.com/office/drawing/2014/main" id="{20A63AA8-F269-034A-BA75-D296C3A4974C}"/>
-              </a:ext>
-            </a:extLst>
-          </p:cNvPr>
+          <p:cNvPr id="7" name="Slide Number Placeholder 6"/>
           <p:cNvSpPr>
             <a:spLocks noGrp="1"/>
           </p:cNvSpPr>
@@ -2438,7 +2152,7 @@
     </p:spTree>
     <p:extLst>
       <p:ext uri="{BB962C8B-B14F-4D97-AF65-F5344CB8AC3E}">
-        <p14:creationId xmlns:p14="http://schemas.microsoft.com/office/powerpoint/2010/main" val="471921812"/>
+        <p14:creationId xmlns:p14="http://schemas.microsoft.com/office/powerpoint/2010/main" val="3799306995"/>
       </p:ext>
     </p:extLst>
   </p:cSld>
@@ -2467,13 +2181,7 @@
       </p:grpSpPr>
       <p:sp>
         <p:nvSpPr>
-          <p:cNvPr id="2" name="Title 1">
-            <a:extLst>
-              <a:ext uri="{FF2B5EF4-FFF2-40B4-BE49-F238E27FC236}">
-                <a16:creationId xmlns:a16="http://schemas.microsoft.com/office/drawing/2014/main" id="{E8128803-25FD-3840-99D3-CFBFC9F588E0}"/>
-              </a:ext>
-            </a:extLst>
-          </p:cNvPr>
+          <p:cNvPr id="2" name="Title 1"/>
           <p:cNvSpPr>
             <a:spLocks noGrp="1"/>
           </p:cNvSpPr>
@@ -2483,15 +2191,15 @@
         </p:nvSpPr>
         <p:spPr>
           <a:xfrm>
-            <a:off x="839788" y="457200"/>
-            <a:ext cx="3932237" cy="1600200"/>
+            <a:off x="944762" y="513927"/>
+            <a:ext cx="4423767" cy="1798743"/>
           </a:xfrm>
         </p:spPr>
         <p:txBody>
           <a:bodyPr anchor="b"/>
           <a:lstStyle>
             <a:lvl1pPr>
-              <a:defRPr sz="3200"/>
+              <a:defRPr sz="3597"/>
             </a:lvl1pPr>
           </a:lstStyle>
           <a:p>
@@ -2499,20 +2207,15 @@
               <a:rPr lang="en-US"/>
               <a:t>Click to edit Master title style</a:t>
             </a:r>
-          </a:p>
-        </p:txBody>
-      </p:sp>
-      <p:sp>
-        <p:nvSpPr>
-          <p:cNvPr id="3" name="Picture Placeholder 2">
-            <a:extLst>
-              <a:ext uri="{FF2B5EF4-FFF2-40B4-BE49-F238E27FC236}">
-                <a16:creationId xmlns:a16="http://schemas.microsoft.com/office/drawing/2014/main" id="{2742A7D9-131A-A247-B8D6-96CDF66D8BEA}"/>
-              </a:ext>
-            </a:extLst>
-          </p:cNvPr>
-          <p:cNvSpPr>
-            <a:spLocks noGrp="1"/>
+            <a:endParaRPr lang="en-US" dirty="0"/>
+          </a:p>
+        </p:txBody>
+      </p:sp>
+      <p:sp>
+        <p:nvSpPr>
+          <p:cNvPr id="3" name="Picture Placeholder 2"/>
+          <p:cNvSpPr>
+            <a:spLocks noGrp="1" noChangeAspect="1"/>
           </p:cNvSpPr>
           <p:nvPr>
             <p:ph type="pic" idx="1"/>
@@ -2520,64 +2223,62 @@
         </p:nvSpPr>
         <p:spPr>
           <a:xfrm>
-            <a:off x="5183188" y="987425"/>
-            <a:ext cx="6172200" cy="4873625"/>
+            <a:off x="5831087" y="1109939"/>
+            <a:ext cx="6943725" cy="5478316"/>
           </a:xfrm>
         </p:spPr>
         <p:txBody>
-          <a:bodyPr/>
+          <a:bodyPr anchor="t"/>
           <a:lstStyle>
             <a:lvl1pPr marL="0" indent="0">
               <a:buNone/>
-              <a:defRPr sz="3200"/>
+              <a:defRPr sz="3597"/>
             </a:lvl1pPr>
-            <a:lvl2pPr marL="457200" indent="0">
-              <a:buNone/>
-              <a:defRPr sz="2800"/>
+            <a:lvl2pPr marL="513939" indent="0">
+              <a:buNone/>
+              <a:defRPr sz="3147"/>
             </a:lvl2pPr>
-            <a:lvl3pPr marL="914400" indent="0">
-              <a:buNone/>
-              <a:defRPr sz="2400"/>
+            <a:lvl3pPr marL="1027877" indent="0">
+              <a:buNone/>
+              <a:defRPr sz="2698"/>
             </a:lvl3pPr>
-            <a:lvl4pPr marL="1371600" indent="0">
-              <a:buNone/>
-              <a:defRPr sz="2000"/>
+            <a:lvl4pPr marL="1541816" indent="0">
+              <a:buNone/>
+              <a:defRPr sz="2248"/>
             </a:lvl4pPr>
-            <a:lvl5pPr marL="1828800" indent="0">
-              <a:buNone/>
-              <a:defRPr sz="2000"/>
+            <a:lvl5pPr marL="2055754" indent="0">
+              <a:buNone/>
+              <a:defRPr sz="2248"/>
             </a:lvl5pPr>
-            <a:lvl6pPr marL="2286000" indent="0">
-              <a:buNone/>
-              <a:defRPr sz="2000"/>
+            <a:lvl6pPr marL="2569693" indent="0">
+              <a:buNone/>
+              <a:defRPr sz="2248"/>
             </a:lvl6pPr>
-            <a:lvl7pPr marL="2743200" indent="0">
-              <a:buNone/>
-              <a:defRPr sz="2000"/>
+            <a:lvl7pPr marL="3083631" indent="0">
+              <a:buNone/>
+              <a:defRPr sz="2248"/>
             </a:lvl7pPr>
-            <a:lvl8pPr marL="3200400" indent="0">
-              <a:buNone/>
-              <a:defRPr sz="2000"/>
+            <a:lvl8pPr marL="3597570" indent="0">
+              <a:buNone/>
+              <a:defRPr sz="2248"/>
             </a:lvl8pPr>
-            <a:lvl9pPr marL="3657600" indent="0">
-              <a:buNone/>
-              <a:defRPr sz="2000"/>
+            <a:lvl9pPr marL="4111508" indent="0">
+              <a:buNone/>
+              <a:defRPr sz="2248"/>
             </a:lvl9pPr>
           </a:lstStyle>
           <a:p>
-            <a:endParaRPr lang="en-US"/>
-          </a:p>
-        </p:txBody>
-      </p:sp>
-      <p:sp>
-        <p:nvSpPr>
-          <p:cNvPr id="4" name="Text Placeholder 3">
-            <a:extLst>
-              <a:ext uri="{FF2B5EF4-FFF2-40B4-BE49-F238E27FC236}">
-                <a16:creationId xmlns:a16="http://schemas.microsoft.com/office/drawing/2014/main" id="{F5BD39B0-5A1C-F34E-8C30-BB15D9008622}"/>
-              </a:ext>
-            </a:extLst>
-          </p:cNvPr>
+            <a:r>
+              <a:rPr lang="en-US"/>
+              <a:t>Click icon to add picture</a:t>
+            </a:r>
+            <a:endParaRPr lang="en-US" dirty="0"/>
+          </a:p>
+        </p:txBody>
+      </p:sp>
+      <p:sp>
+        <p:nvSpPr>
+          <p:cNvPr id="4" name="Text Placeholder 3"/>
           <p:cNvSpPr>
             <a:spLocks noGrp="1"/>
           </p:cNvSpPr>
@@ -2587,8 +2288,8 @@
         </p:nvSpPr>
         <p:spPr>
           <a:xfrm>
-            <a:off x="839788" y="2057400"/>
-            <a:ext cx="3932237" cy="3811588"/>
+            <a:off x="944762" y="2312670"/>
+            <a:ext cx="4423767" cy="4284507"/>
           </a:xfrm>
         </p:spPr>
         <p:txBody>
@@ -2596,39 +2297,39 @@
           <a:lstStyle>
             <a:lvl1pPr marL="0" indent="0">
               <a:buNone/>
-              <a:defRPr sz="1600"/>
+              <a:defRPr sz="1799"/>
             </a:lvl1pPr>
-            <a:lvl2pPr marL="457200" indent="0">
-              <a:buNone/>
-              <a:defRPr sz="1400"/>
+            <a:lvl2pPr marL="513939" indent="0">
+              <a:buNone/>
+              <a:defRPr sz="1574"/>
             </a:lvl2pPr>
-            <a:lvl3pPr marL="914400" indent="0">
-              <a:buNone/>
-              <a:defRPr sz="1200"/>
+            <a:lvl3pPr marL="1027877" indent="0">
+              <a:buNone/>
+              <a:defRPr sz="1349"/>
             </a:lvl3pPr>
-            <a:lvl4pPr marL="1371600" indent="0">
-              <a:buNone/>
-              <a:defRPr sz="1000"/>
+            <a:lvl4pPr marL="1541816" indent="0">
+              <a:buNone/>
+              <a:defRPr sz="1124"/>
             </a:lvl4pPr>
-            <a:lvl5pPr marL="1828800" indent="0">
-              <a:buNone/>
-              <a:defRPr sz="1000"/>
+            <a:lvl5pPr marL="2055754" indent="0">
+              <a:buNone/>
+              <a:defRPr sz="1124"/>
             </a:lvl5pPr>
-            <a:lvl6pPr marL="2286000" indent="0">
-              <a:buNone/>
-              <a:defRPr sz="1000"/>
+            <a:lvl6pPr marL="2569693" indent="0">
+              <a:buNone/>
+              <a:defRPr sz="1124"/>
             </a:lvl6pPr>
-            <a:lvl7pPr marL="2743200" indent="0">
-              <a:buNone/>
-              <a:defRPr sz="1000"/>
+            <a:lvl7pPr marL="3083631" indent="0">
+              <a:buNone/>
+              <a:defRPr sz="1124"/>
             </a:lvl7pPr>
-            <a:lvl8pPr marL="3200400" indent="0">
-              <a:buNone/>
-              <a:defRPr sz="1000"/>
+            <a:lvl8pPr marL="3597570" indent="0">
+              <a:buNone/>
+              <a:defRPr sz="1124"/>
             </a:lvl8pPr>
-            <a:lvl9pPr marL="3657600" indent="0">
-              <a:buNone/>
-              <a:defRPr sz="1000"/>
+            <a:lvl9pPr marL="4111508" indent="0">
+              <a:buNone/>
+              <a:defRPr sz="1124"/>
             </a:lvl9pPr>
           </a:lstStyle>
           <a:p>
@@ -2642,13 +2343,7 @@
       </p:sp>
       <p:sp>
         <p:nvSpPr>
-          <p:cNvPr id="5" name="Date Placeholder 4">
-            <a:extLst>
-              <a:ext uri="{FF2B5EF4-FFF2-40B4-BE49-F238E27FC236}">
-                <a16:creationId xmlns:a16="http://schemas.microsoft.com/office/drawing/2014/main" id="{CB5E3487-2FF9-7A4D-B5A2-CEF22716424D}"/>
-              </a:ext>
-            </a:extLst>
-          </p:cNvPr>
+          <p:cNvPr id="5" name="Date Placeholder 4"/>
           <p:cNvSpPr>
             <a:spLocks noGrp="1"/>
           </p:cNvSpPr>
@@ -2671,13 +2366,7 @@
       </p:sp>
       <p:sp>
         <p:nvSpPr>
-          <p:cNvPr id="6" name="Footer Placeholder 5">
-            <a:extLst>
-              <a:ext uri="{FF2B5EF4-FFF2-40B4-BE49-F238E27FC236}">
-                <a16:creationId xmlns:a16="http://schemas.microsoft.com/office/drawing/2014/main" id="{B2C8525C-F45F-F74A-BD75-FFC36E4432DD}"/>
-              </a:ext>
-            </a:extLst>
-          </p:cNvPr>
+          <p:cNvPr id="6" name="Footer Placeholder 5"/>
           <p:cNvSpPr>
             <a:spLocks noGrp="1"/>
           </p:cNvSpPr>
@@ -2696,13 +2385,7 @@
       </p:sp>
       <p:sp>
         <p:nvSpPr>
-          <p:cNvPr id="7" name="Slide Number Placeholder 6">
-            <a:extLst>
-              <a:ext uri="{FF2B5EF4-FFF2-40B4-BE49-F238E27FC236}">
-                <a16:creationId xmlns:a16="http://schemas.microsoft.com/office/drawing/2014/main" id="{9A2F787D-C479-5648-9D4F-C65EA0D99A11}"/>
-              </a:ext>
-            </a:extLst>
-          </p:cNvPr>
+          <p:cNvPr id="7" name="Slide Number Placeholder 6"/>
           <p:cNvSpPr>
             <a:spLocks noGrp="1"/>
           </p:cNvSpPr>
@@ -2726,7 +2409,7 @@
     </p:spTree>
     <p:extLst>
       <p:ext uri="{BB962C8B-B14F-4D97-AF65-F5344CB8AC3E}">
-        <p14:creationId xmlns:p14="http://schemas.microsoft.com/office/powerpoint/2010/main" val="3746470964"/>
+        <p14:creationId xmlns:p14="http://schemas.microsoft.com/office/powerpoint/2010/main" val="1165279742"/>
       </p:ext>
     </p:extLst>
   </p:cSld>
@@ -2760,13 +2443,7 @@
       </p:grpSpPr>
       <p:sp>
         <p:nvSpPr>
-          <p:cNvPr id="2" name="Title Placeholder 1">
-            <a:extLst>
-              <a:ext uri="{FF2B5EF4-FFF2-40B4-BE49-F238E27FC236}">
-                <a16:creationId xmlns:a16="http://schemas.microsoft.com/office/drawing/2014/main" id="{21CF0C2E-EB66-694D-B8A7-4ED647F5BA74}"/>
-              </a:ext>
-            </a:extLst>
-          </p:cNvPr>
+          <p:cNvPr id="2" name="Title Placeholder 1"/>
           <p:cNvSpPr>
             <a:spLocks noGrp="1"/>
           </p:cNvSpPr>
@@ -2776,8 +2453,8 @@
         </p:nvSpPr>
         <p:spPr>
           <a:xfrm>
-            <a:off x="838200" y="365125"/>
-            <a:ext cx="10515600" cy="1325563"/>
+            <a:off x="942975" y="410428"/>
+            <a:ext cx="11830050" cy="1490031"/>
           </a:xfrm>
           <a:prstGeom prst="rect">
             <a:avLst/>
@@ -2793,18 +2470,13 @@
               <a:rPr lang="en-US"/>
               <a:t>Click to edit Master title style</a:t>
             </a:r>
-          </a:p>
-        </p:txBody>
-      </p:sp>
-      <p:sp>
-        <p:nvSpPr>
-          <p:cNvPr id="3" name="Text Placeholder 2">
-            <a:extLst>
-              <a:ext uri="{FF2B5EF4-FFF2-40B4-BE49-F238E27FC236}">
-                <a16:creationId xmlns:a16="http://schemas.microsoft.com/office/drawing/2014/main" id="{1049F349-D594-1749-B551-6A7D80236FDA}"/>
-              </a:ext>
-            </a:extLst>
-          </p:cNvPr>
+            <a:endParaRPr lang="en-US" dirty="0"/>
+          </a:p>
+        </p:txBody>
+      </p:sp>
+      <p:sp>
+        <p:nvSpPr>
+          <p:cNvPr id="3" name="Text Placeholder 2"/>
           <p:cNvSpPr>
             <a:spLocks noGrp="1"/>
           </p:cNvSpPr>
@@ -2814,8 +2486,8 @@
         </p:nvSpPr>
         <p:spPr>
           <a:xfrm>
-            <a:off x="838200" y="1825625"/>
-            <a:ext cx="10515600" cy="4351338"/>
+            <a:off x="942975" y="2052138"/>
+            <a:ext cx="11830050" cy="4891226"/>
           </a:xfrm>
           <a:prstGeom prst="rect">
             <a:avLst/>
@@ -2860,18 +2532,13 @@
               <a:rPr lang="en-US"/>
               <a:t>Fifth level</a:t>
             </a:r>
-          </a:p>
-        </p:txBody>
-      </p:sp>
-      <p:sp>
-        <p:nvSpPr>
-          <p:cNvPr id="4" name="Date Placeholder 3">
-            <a:extLst>
-              <a:ext uri="{FF2B5EF4-FFF2-40B4-BE49-F238E27FC236}">
-                <a16:creationId xmlns:a16="http://schemas.microsoft.com/office/drawing/2014/main" id="{B601BA54-8FDC-194A-AAA6-DDC6318B61ED}"/>
-              </a:ext>
-            </a:extLst>
-          </p:cNvPr>
+            <a:endParaRPr lang="en-US" dirty="0"/>
+          </a:p>
+        </p:txBody>
+      </p:sp>
+      <p:sp>
+        <p:nvSpPr>
+          <p:cNvPr id="4" name="Date Placeholder 3"/>
           <p:cNvSpPr>
             <a:spLocks noGrp="1"/>
           </p:cNvSpPr>
@@ -2881,8 +2548,8 @@
         </p:nvSpPr>
         <p:spPr>
           <a:xfrm>
-            <a:off x="838200" y="6356350"/>
-            <a:ext cx="2743200" cy="365125"/>
+            <a:off x="942975" y="7145009"/>
+            <a:ext cx="3086100" cy="410428"/>
           </a:xfrm>
           <a:prstGeom prst="rect">
             <a:avLst/>
@@ -2892,7 +2559,7 @@
           <a:bodyPr vert="horz" lIns="91440" tIns="45720" rIns="91440" bIns="45720" rtlCol="0" anchor="ctr"/>
           <a:lstStyle>
             <a:lvl1pPr algn="l">
-              <a:defRPr sz="1200">
+              <a:defRPr sz="1349">
                 <a:solidFill>
                   <a:schemeClr val="tx1">
                     <a:tint val="75000"/>
@@ -2912,13 +2579,7 @@
       </p:sp>
       <p:sp>
         <p:nvSpPr>
-          <p:cNvPr id="5" name="Footer Placeholder 4">
-            <a:extLst>
-              <a:ext uri="{FF2B5EF4-FFF2-40B4-BE49-F238E27FC236}">
-                <a16:creationId xmlns:a16="http://schemas.microsoft.com/office/drawing/2014/main" id="{DA430E5F-9518-9040-9127-2BA187A3A6BD}"/>
-              </a:ext>
-            </a:extLst>
-          </p:cNvPr>
+          <p:cNvPr id="5" name="Footer Placeholder 4"/>
           <p:cNvSpPr>
             <a:spLocks noGrp="1"/>
           </p:cNvSpPr>
@@ -2928,8 +2589,8 @@
         </p:nvSpPr>
         <p:spPr>
           <a:xfrm>
-            <a:off x="4038600" y="6356350"/>
-            <a:ext cx="4114800" cy="365125"/>
+            <a:off x="4543425" y="7145009"/>
+            <a:ext cx="4629150" cy="410428"/>
           </a:xfrm>
           <a:prstGeom prst="rect">
             <a:avLst/>
@@ -2939,7 +2600,7 @@
           <a:bodyPr vert="horz" lIns="91440" tIns="45720" rIns="91440" bIns="45720" rtlCol="0" anchor="ctr"/>
           <a:lstStyle>
             <a:lvl1pPr algn="ctr">
-              <a:defRPr sz="1200">
+              <a:defRPr sz="1349">
                 <a:solidFill>
                   <a:schemeClr val="tx1">
                     <a:tint val="75000"/>
@@ -2955,13 +2616,7 @@
       </p:sp>
       <p:sp>
         <p:nvSpPr>
-          <p:cNvPr id="6" name="Slide Number Placeholder 5">
-            <a:extLst>
-              <a:ext uri="{FF2B5EF4-FFF2-40B4-BE49-F238E27FC236}">
-                <a16:creationId xmlns:a16="http://schemas.microsoft.com/office/drawing/2014/main" id="{14C737D1-2894-D94C-9A01-530F1E66F3CF}"/>
-              </a:ext>
-            </a:extLst>
-          </p:cNvPr>
+          <p:cNvPr id="6" name="Slide Number Placeholder 5"/>
           <p:cNvSpPr>
             <a:spLocks noGrp="1"/>
           </p:cNvSpPr>
@@ -2971,8 +2626,8 @@
         </p:nvSpPr>
         <p:spPr>
           <a:xfrm>
-            <a:off x="8610600" y="6356350"/>
-            <a:ext cx="2743200" cy="365125"/>
+            <a:off x="9686925" y="7145009"/>
+            <a:ext cx="3086100" cy="410428"/>
           </a:xfrm>
           <a:prstGeom prst="rect">
             <a:avLst/>
@@ -2982,7 +2637,7 @@
           <a:bodyPr vert="horz" lIns="91440" tIns="45720" rIns="91440" bIns="45720" rtlCol="0" anchor="ctr"/>
           <a:lstStyle>
             <a:lvl1pPr algn="r">
-              <a:defRPr sz="1200">
+              <a:defRPr sz="1349">
                 <a:solidFill>
                   <a:schemeClr val="tx1">
                     <a:tint val="75000"/>
@@ -3003,27 +2658,27 @@
     </p:spTree>
     <p:extLst>
       <p:ext uri="{BB962C8B-B14F-4D97-AF65-F5344CB8AC3E}">
-        <p14:creationId xmlns:p14="http://schemas.microsoft.com/office/powerpoint/2010/main" val="832274659"/>
+        <p14:creationId xmlns:p14="http://schemas.microsoft.com/office/powerpoint/2010/main" val="2338331218"/>
       </p:ext>
     </p:extLst>
   </p:cSld>
   <p:clrMap bg1="lt1" tx1="dk1" bg2="lt2" tx2="dk2" accent1="accent1" accent2="accent2" accent3="accent3" accent4="accent4" accent5="accent5" accent6="accent6" hlink="hlink" folHlink="folHlink"/>
   <p:sldLayoutIdLst>
-    <p:sldLayoutId id="2147483649" r:id="rId1"/>
-    <p:sldLayoutId id="2147483650" r:id="rId2"/>
-    <p:sldLayoutId id="2147483651" r:id="rId3"/>
-    <p:sldLayoutId id="2147483652" r:id="rId4"/>
-    <p:sldLayoutId id="2147483653" r:id="rId5"/>
-    <p:sldLayoutId id="2147483654" r:id="rId6"/>
-    <p:sldLayoutId id="2147483655" r:id="rId7"/>
-    <p:sldLayoutId id="2147483656" r:id="rId8"/>
-    <p:sldLayoutId id="2147483657" r:id="rId9"/>
-    <p:sldLayoutId id="2147483658" r:id="rId10"/>
-    <p:sldLayoutId id="2147483659" r:id="rId11"/>
+    <p:sldLayoutId id="2147483673" r:id="rId1"/>
+    <p:sldLayoutId id="2147483674" r:id="rId2"/>
+    <p:sldLayoutId id="2147483675" r:id="rId3"/>
+    <p:sldLayoutId id="2147483676" r:id="rId4"/>
+    <p:sldLayoutId id="2147483677" r:id="rId5"/>
+    <p:sldLayoutId id="2147483678" r:id="rId6"/>
+    <p:sldLayoutId id="2147483679" r:id="rId7"/>
+    <p:sldLayoutId id="2147483680" r:id="rId8"/>
+    <p:sldLayoutId id="2147483681" r:id="rId9"/>
+    <p:sldLayoutId id="2147483682" r:id="rId10"/>
+    <p:sldLayoutId id="2147483683" r:id="rId11"/>
   </p:sldLayoutIdLst>
   <p:txStyles>
     <p:titleStyle>
-      <a:lvl1pPr algn="l" defTabSz="914400" rtl="0" eaLnBrk="1" latinLnBrk="0" hangingPunct="1">
+      <a:lvl1pPr algn="l" defTabSz="1027877" rtl="0" eaLnBrk="1" latinLnBrk="0" hangingPunct="1">
         <a:lnSpc>
           <a:spcPct val="90000"/>
         </a:lnSpc>
@@ -3031,7 +2686,7 @@
           <a:spcPct val="0"/>
         </a:spcBef>
         <a:buNone/>
-        <a:defRPr sz="4400" kern="1200">
+        <a:defRPr sz="4946" kern="1200">
           <a:solidFill>
             <a:schemeClr val="tx1"/>
           </a:solidFill>
@@ -3042,16 +2697,16 @@
       </a:lvl1pPr>
     </p:titleStyle>
     <p:bodyStyle>
-      <a:lvl1pPr marL="228600" indent="-228600" algn="l" defTabSz="914400" rtl="0" eaLnBrk="1" latinLnBrk="0" hangingPunct="1">
+      <a:lvl1pPr marL="256969" indent="-256969" algn="l" defTabSz="1027877" rtl="0" eaLnBrk="1" latinLnBrk="0" hangingPunct="1">
         <a:lnSpc>
           <a:spcPct val="90000"/>
         </a:lnSpc>
         <a:spcBef>
-          <a:spcPts val="1000"/>
+          <a:spcPts val="1124"/>
         </a:spcBef>
         <a:buFont typeface="Arial" panose="020B0604020202020204" pitchFamily="34" charset="0"/>
         <a:buChar char="•"/>
-        <a:defRPr sz="2800" kern="1200">
+        <a:defRPr sz="3147" kern="1200">
           <a:solidFill>
             <a:schemeClr val="tx1"/>
           </a:solidFill>
@@ -3060,16 +2715,16 @@
           <a:cs typeface="+mn-cs"/>
         </a:defRPr>
       </a:lvl1pPr>
-      <a:lvl2pPr marL="685800" indent="-228600" algn="l" defTabSz="914400" rtl="0" eaLnBrk="1" latinLnBrk="0" hangingPunct="1">
+      <a:lvl2pPr marL="770908" indent="-256969" algn="l" defTabSz="1027877" rtl="0" eaLnBrk="1" latinLnBrk="0" hangingPunct="1">
         <a:lnSpc>
           <a:spcPct val="90000"/>
         </a:lnSpc>
         <a:spcBef>
-          <a:spcPts val="500"/>
+          <a:spcPts val="562"/>
         </a:spcBef>
         <a:buFont typeface="Arial" panose="020B0604020202020204" pitchFamily="34" charset="0"/>
         <a:buChar char="•"/>
-        <a:defRPr sz="2400" kern="1200">
+        <a:defRPr sz="2698" kern="1200">
           <a:solidFill>
             <a:schemeClr val="tx1"/>
           </a:solidFill>
@@ -3078,16 +2733,16 @@
           <a:cs typeface="+mn-cs"/>
         </a:defRPr>
       </a:lvl2pPr>
-      <a:lvl3pPr marL="1143000" indent="-228600" algn="l" defTabSz="914400" rtl="0" eaLnBrk="1" latinLnBrk="0" hangingPunct="1">
+      <a:lvl3pPr marL="1284846" indent="-256969" algn="l" defTabSz="1027877" rtl="0" eaLnBrk="1" latinLnBrk="0" hangingPunct="1">
         <a:lnSpc>
           <a:spcPct val="90000"/>
         </a:lnSpc>
         <a:spcBef>
-          <a:spcPts val="500"/>
+          <a:spcPts val="562"/>
         </a:spcBef>
         <a:buFont typeface="Arial" panose="020B0604020202020204" pitchFamily="34" charset="0"/>
         <a:buChar char="•"/>
-        <a:defRPr sz="2000" kern="1200">
+        <a:defRPr sz="2248" kern="1200">
           <a:solidFill>
             <a:schemeClr val="tx1"/>
           </a:solidFill>
@@ -3096,16 +2751,16 @@
           <a:cs typeface="+mn-cs"/>
         </a:defRPr>
       </a:lvl3pPr>
-      <a:lvl4pPr marL="1600200" indent="-228600" algn="l" defTabSz="914400" rtl="0" eaLnBrk="1" latinLnBrk="0" hangingPunct="1">
+      <a:lvl4pPr marL="1798785" indent="-256969" algn="l" defTabSz="1027877" rtl="0" eaLnBrk="1" latinLnBrk="0" hangingPunct="1">
         <a:lnSpc>
           <a:spcPct val="90000"/>
         </a:lnSpc>
         <a:spcBef>
-          <a:spcPts val="500"/>
+          <a:spcPts val="562"/>
         </a:spcBef>
         <a:buFont typeface="Arial" panose="020B0604020202020204" pitchFamily="34" charset="0"/>
         <a:buChar char="•"/>
-        <a:defRPr sz="1800" kern="1200">
+        <a:defRPr sz="2023" kern="1200">
           <a:solidFill>
             <a:schemeClr val="tx1"/>
           </a:solidFill>
@@ -3114,16 +2769,16 @@
           <a:cs typeface="+mn-cs"/>
         </a:defRPr>
       </a:lvl4pPr>
-      <a:lvl5pPr marL="2057400" indent="-228600" algn="l" defTabSz="914400" rtl="0" eaLnBrk="1" latinLnBrk="0" hangingPunct="1">
+      <a:lvl5pPr marL="2312723" indent="-256969" algn="l" defTabSz="1027877" rtl="0" eaLnBrk="1" latinLnBrk="0" hangingPunct="1">
         <a:lnSpc>
           <a:spcPct val="90000"/>
         </a:lnSpc>
         <a:spcBef>
-          <a:spcPts val="500"/>
+          <a:spcPts val="562"/>
         </a:spcBef>
         <a:buFont typeface="Arial" panose="020B0604020202020204" pitchFamily="34" charset="0"/>
         <a:buChar char="•"/>
-        <a:defRPr sz="1800" kern="1200">
+        <a:defRPr sz="2023" kern="1200">
           <a:solidFill>
             <a:schemeClr val="tx1"/>
           </a:solidFill>
@@ -3132,16 +2787,16 @@
           <a:cs typeface="+mn-cs"/>
         </a:defRPr>
       </a:lvl5pPr>
-      <a:lvl6pPr marL="2514600" indent="-228600" algn="l" defTabSz="914400" rtl="0" eaLnBrk="1" latinLnBrk="0" hangingPunct="1">
+      <a:lvl6pPr marL="2826662" indent="-256969" algn="l" defTabSz="1027877" rtl="0" eaLnBrk="1" latinLnBrk="0" hangingPunct="1">
         <a:lnSpc>
           <a:spcPct val="90000"/>
         </a:lnSpc>
         <a:spcBef>
-          <a:spcPts val="500"/>
+          <a:spcPts val="562"/>
         </a:spcBef>
         <a:buFont typeface="Arial" panose="020B0604020202020204" pitchFamily="34" charset="0"/>
         <a:buChar char="•"/>
-        <a:defRPr sz="1800" kern="1200">
+        <a:defRPr sz="2023" kern="1200">
           <a:solidFill>
             <a:schemeClr val="tx1"/>
           </a:solidFill>
@@ -3150,16 +2805,16 @@
           <a:cs typeface="+mn-cs"/>
         </a:defRPr>
       </a:lvl6pPr>
-      <a:lvl7pPr marL="2971800" indent="-228600" algn="l" defTabSz="914400" rtl="0" eaLnBrk="1" latinLnBrk="0" hangingPunct="1">
+      <a:lvl7pPr marL="3340600" indent="-256969" algn="l" defTabSz="1027877" rtl="0" eaLnBrk="1" latinLnBrk="0" hangingPunct="1">
         <a:lnSpc>
           <a:spcPct val="90000"/>
         </a:lnSpc>
         <a:spcBef>
-          <a:spcPts val="500"/>
+          <a:spcPts val="562"/>
         </a:spcBef>
         <a:buFont typeface="Arial" panose="020B0604020202020204" pitchFamily="34" charset="0"/>
         <a:buChar char="•"/>
-        <a:defRPr sz="1800" kern="1200">
+        <a:defRPr sz="2023" kern="1200">
           <a:solidFill>
             <a:schemeClr val="tx1"/>
           </a:solidFill>
@@ -3168,16 +2823,16 @@
           <a:cs typeface="+mn-cs"/>
         </a:defRPr>
       </a:lvl7pPr>
-      <a:lvl8pPr marL="3429000" indent="-228600" algn="l" defTabSz="914400" rtl="0" eaLnBrk="1" latinLnBrk="0" hangingPunct="1">
+      <a:lvl8pPr marL="3854539" indent="-256969" algn="l" defTabSz="1027877" rtl="0" eaLnBrk="1" latinLnBrk="0" hangingPunct="1">
         <a:lnSpc>
           <a:spcPct val="90000"/>
         </a:lnSpc>
         <a:spcBef>
-          <a:spcPts val="500"/>
+          <a:spcPts val="562"/>
         </a:spcBef>
         <a:buFont typeface="Arial" panose="020B0604020202020204" pitchFamily="34" charset="0"/>
         <a:buChar char="•"/>
-        <a:defRPr sz="1800" kern="1200">
+        <a:defRPr sz="2023" kern="1200">
           <a:solidFill>
             <a:schemeClr val="tx1"/>
           </a:solidFill>
@@ -3186,16 +2841,16 @@
           <a:cs typeface="+mn-cs"/>
         </a:defRPr>
       </a:lvl8pPr>
-      <a:lvl9pPr marL="3886200" indent="-228600" algn="l" defTabSz="914400" rtl="0" eaLnBrk="1" latinLnBrk="0" hangingPunct="1">
+      <a:lvl9pPr marL="4368477" indent="-256969" algn="l" defTabSz="1027877" rtl="0" eaLnBrk="1" latinLnBrk="0" hangingPunct="1">
         <a:lnSpc>
           <a:spcPct val="90000"/>
         </a:lnSpc>
         <a:spcBef>
-          <a:spcPts val="500"/>
+          <a:spcPts val="562"/>
         </a:spcBef>
         <a:buFont typeface="Arial" panose="020B0604020202020204" pitchFamily="34" charset="0"/>
         <a:buChar char="•"/>
-        <a:defRPr sz="1800" kern="1200">
+        <a:defRPr sz="2023" kern="1200">
           <a:solidFill>
             <a:schemeClr val="tx1"/>
           </a:solidFill>
@@ -3209,8 +2864,8 @@
       <a:defPPr>
         <a:defRPr lang="en-US"/>
       </a:defPPr>
-      <a:lvl1pPr marL="0" algn="l" defTabSz="914400" rtl="0" eaLnBrk="1" latinLnBrk="0" hangingPunct="1">
-        <a:defRPr sz="1800" kern="1200">
+      <a:lvl1pPr marL="0" algn="l" defTabSz="1027877" rtl="0" eaLnBrk="1" latinLnBrk="0" hangingPunct="1">
+        <a:defRPr sz="2023" kern="1200">
           <a:solidFill>
             <a:schemeClr val="tx1"/>
           </a:solidFill>
@@ -3219,8 +2874,8 @@
           <a:cs typeface="+mn-cs"/>
         </a:defRPr>
       </a:lvl1pPr>
-      <a:lvl2pPr marL="457200" algn="l" defTabSz="914400" rtl="0" eaLnBrk="1" latinLnBrk="0" hangingPunct="1">
-        <a:defRPr sz="1800" kern="1200">
+      <a:lvl2pPr marL="513939" algn="l" defTabSz="1027877" rtl="0" eaLnBrk="1" latinLnBrk="0" hangingPunct="1">
+        <a:defRPr sz="2023" kern="1200">
           <a:solidFill>
             <a:schemeClr val="tx1"/>
           </a:solidFill>
@@ -3229,8 +2884,8 @@
           <a:cs typeface="+mn-cs"/>
         </a:defRPr>
       </a:lvl2pPr>
-      <a:lvl3pPr marL="914400" algn="l" defTabSz="914400" rtl="0" eaLnBrk="1" latinLnBrk="0" hangingPunct="1">
-        <a:defRPr sz="1800" kern="1200">
+      <a:lvl3pPr marL="1027877" algn="l" defTabSz="1027877" rtl="0" eaLnBrk="1" latinLnBrk="0" hangingPunct="1">
+        <a:defRPr sz="2023" kern="1200">
           <a:solidFill>
             <a:schemeClr val="tx1"/>
           </a:solidFill>
@@ -3239,8 +2894,8 @@
           <a:cs typeface="+mn-cs"/>
         </a:defRPr>
       </a:lvl3pPr>
-      <a:lvl4pPr marL="1371600" algn="l" defTabSz="914400" rtl="0" eaLnBrk="1" latinLnBrk="0" hangingPunct="1">
-        <a:defRPr sz="1800" kern="1200">
+      <a:lvl4pPr marL="1541816" algn="l" defTabSz="1027877" rtl="0" eaLnBrk="1" latinLnBrk="0" hangingPunct="1">
+        <a:defRPr sz="2023" kern="1200">
           <a:solidFill>
             <a:schemeClr val="tx1"/>
           </a:solidFill>
@@ -3249,8 +2904,8 @@
           <a:cs typeface="+mn-cs"/>
         </a:defRPr>
       </a:lvl4pPr>
-      <a:lvl5pPr marL="1828800" algn="l" defTabSz="914400" rtl="0" eaLnBrk="1" latinLnBrk="0" hangingPunct="1">
-        <a:defRPr sz="1800" kern="1200">
+      <a:lvl5pPr marL="2055754" algn="l" defTabSz="1027877" rtl="0" eaLnBrk="1" latinLnBrk="0" hangingPunct="1">
+        <a:defRPr sz="2023" kern="1200">
           <a:solidFill>
             <a:schemeClr val="tx1"/>
           </a:solidFill>
@@ -3259,8 +2914,8 @@
           <a:cs typeface="+mn-cs"/>
         </a:defRPr>
       </a:lvl5pPr>
-      <a:lvl6pPr marL="2286000" algn="l" defTabSz="914400" rtl="0" eaLnBrk="1" latinLnBrk="0" hangingPunct="1">
-        <a:defRPr sz="1800" kern="1200">
+      <a:lvl6pPr marL="2569693" algn="l" defTabSz="1027877" rtl="0" eaLnBrk="1" latinLnBrk="0" hangingPunct="1">
+        <a:defRPr sz="2023" kern="1200">
           <a:solidFill>
             <a:schemeClr val="tx1"/>
           </a:solidFill>
@@ -3269,8 +2924,8 @@
           <a:cs typeface="+mn-cs"/>
         </a:defRPr>
       </a:lvl6pPr>
-      <a:lvl7pPr marL="2743200" algn="l" defTabSz="914400" rtl="0" eaLnBrk="1" latinLnBrk="0" hangingPunct="1">
-        <a:defRPr sz="1800" kern="1200">
+      <a:lvl7pPr marL="3083631" algn="l" defTabSz="1027877" rtl="0" eaLnBrk="1" latinLnBrk="0" hangingPunct="1">
+        <a:defRPr sz="2023" kern="1200">
           <a:solidFill>
             <a:schemeClr val="tx1"/>
           </a:solidFill>
@@ -3279,8 +2934,8 @@
           <a:cs typeface="+mn-cs"/>
         </a:defRPr>
       </a:lvl7pPr>
-      <a:lvl8pPr marL="3200400" algn="l" defTabSz="914400" rtl="0" eaLnBrk="1" latinLnBrk="0" hangingPunct="1">
-        <a:defRPr sz="1800" kern="1200">
+      <a:lvl8pPr marL="3597570" algn="l" defTabSz="1027877" rtl="0" eaLnBrk="1" latinLnBrk="0" hangingPunct="1">
+        <a:defRPr sz="2023" kern="1200">
           <a:solidFill>
             <a:schemeClr val="tx1"/>
           </a:solidFill>
@@ -3289,8 +2944,8 @@
           <a:cs typeface="+mn-cs"/>
         </a:defRPr>
       </a:lvl8pPr>
-      <a:lvl9pPr marL="3657600" algn="l" defTabSz="914400" rtl="0" eaLnBrk="1" latinLnBrk="0" hangingPunct="1">
-        <a:defRPr sz="1800" kern="1200">
+      <a:lvl9pPr marL="4111508" algn="l" defTabSz="1027877" rtl="0" eaLnBrk="1" latinLnBrk="0" hangingPunct="1">
+        <a:defRPr sz="2023" kern="1200">
           <a:solidFill>
             <a:schemeClr val="tx1"/>
           </a:solidFill>
@@ -3323,85 +2978,6 @@
       </p:grpSpPr>
       <p:sp>
         <p:nvSpPr>
-          <p:cNvPr id="2" name="Title 1">
-            <a:extLst>
-              <a:ext uri="{FF2B5EF4-FFF2-40B4-BE49-F238E27FC236}">
-                <a16:creationId xmlns:a16="http://schemas.microsoft.com/office/drawing/2014/main" id="{49FE9836-1A7B-434E-8ACB-CF563323FC58}"/>
-              </a:ext>
-            </a:extLst>
-          </p:cNvPr>
-          <p:cNvSpPr>
-            <a:spLocks noGrp="1"/>
-          </p:cNvSpPr>
-          <p:nvPr>
-            <p:ph type="ctrTitle"/>
-          </p:nvPr>
-        </p:nvSpPr>
-        <p:spPr>
-          <a:xfrm>
-            <a:off x="3463290" y="1227393"/>
-            <a:ext cx="7776210" cy="646332"/>
-          </a:xfrm>
-        </p:spPr>
-        <p:txBody>
-          <a:bodyPr>
-            <a:noAutofit/>
-          </a:bodyPr>
-          <a:lstStyle/>
-          <a:p>
-            <a:pPr algn="l"/>
-            <a:r>
-              <a:rPr lang="en-US" sz="2000" dirty="0">
-                <a:ln w="0"/>
-                <a:solidFill>
-                  <a:schemeClr val="accent1"/>
-                </a:solidFill>
-                <a:effectLst>
-                  <a:outerShdw blurRad="38100" dist="25400" dir="5400000" algn="ctr" rotWithShape="0">
-                    <a:srgbClr val="6E747A">
-                      <a:alpha val="43000"/>
-                    </a:srgbClr>
-                  </a:outerShdw>
-                </a:effectLst>
-              </a:rPr>
-              <a:t>Duvista Tech </a:t>
-            </a:r>
-            <a:br>
-              <a:rPr lang="en-US" sz="2000" dirty="0">
-                <a:ln w="0"/>
-                <a:solidFill>
-                  <a:schemeClr val="accent1"/>
-                </a:solidFill>
-                <a:effectLst>
-                  <a:outerShdw blurRad="38100" dist="25400" dir="5400000" algn="ctr" rotWithShape="0">
-                    <a:srgbClr val="6E747A">
-                      <a:alpha val="43000"/>
-                    </a:srgbClr>
-                  </a:outerShdw>
-                </a:effectLst>
-              </a:rPr>
-            </a:br>
-            <a:r>
-              <a:rPr lang="en-US" sz="2000" dirty="0">
-                <a:ln w="0"/>
-                <a:solidFill>
-                  <a:schemeClr val="accent1"/>
-                </a:solidFill>
-                <a:effectLst>
-                  <a:outerShdw blurRad="38100" dist="25400" dir="5400000" algn="ctr" rotWithShape="0">
-                    <a:srgbClr val="6E747A">
-                      <a:alpha val="43000"/>
-                    </a:srgbClr>
-                  </a:outerShdw>
-                </a:effectLst>
-              </a:rPr>
-              <a:t>Solutions</a:t>
-            </a:r>
-          </a:p>
-        </p:txBody>
-      </p:sp>
-      <p:sp>
-        <p:nvSpPr>
           <p:cNvPr id="3" name="Subtitle 2">
             <a:extLst>
               <a:ext uri="{FF2B5EF4-FFF2-40B4-BE49-F238E27FC236}">
@@ -3439,8 +3015,8 @@
         </p:nvGrpSpPr>
         <p:grpSpPr>
           <a:xfrm>
-            <a:off x="2891790" y="1227393"/>
-            <a:ext cx="571500" cy="547052"/>
+            <a:off x="4606894" y="2342593"/>
+            <a:ext cx="401506" cy="384330"/>
             <a:chOff x="2891790" y="1227393"/>
             <a:chExt cx="571500" cy="547052"/>
           </a:xfrm>
@@ -3488,7 +3064,7 @@
             <a:lstStyle/>
             <a:p>
               <a:pPr algn="ctr"/>
-              <a:endParaRPr lang="en-US"/>
+              <a:endParaRPr lang="en-US" sz="1730"/>
             </a:p>
           </p:txBody>
         </p:sp>
@@ -3535,7 +3111,7 @@
             <a:lstStyle/>
             <a:p>
               <a:pPr algn="ctr"/>
-              <a:endParaRPr lang="en-US" dirty="0"/>
+              <a:endParaRPr lang="en-US" sz="1730" dirty="0"/>
             </a:p>
           </p:txBody>
         </p:sp>
@@ -3554,8 +3130,8 @@
         </p:nvSpPr>
         <p:spPr>
           <a:xfrm>
-            <a:off x="1943100" y="1227394"/>
-            <a:ext cx="1257300" cy="646331"/>
+            <a:off x="5008399" y="2307719"/>
+            <a:ext cx="1525338" cy="481542"/>
           </a:xfrm>
           <a:prstGeom prst="rect">
             <a:avLst/>
@@ -3569,16 +3145,65 @@
           <a:lstStyle/>
           <a:p>
             <a:r>
-              <a:rPr lang="en-US" sz="3600" dirty="0">
+              <a:rPr lang="en-US" sz="2529" dirty="0">
                 <a:solidFill>
-                  <a:srgbClr val="FF0000"/>
+                  <a:schemeClr val="accent1"/>
                 </a:solidFill>
-                <a:latin typeface="STHupo" panose="02010800040101010101" pitchFamily="2" charset="-122"/>
-                <a:ea typeface="STHupo" panose="02010800040101010101" pitchFamily="2" charset="-122"/>
-                <a:cs typeface="+mj-cs"/>
+                <a:latin typeface="Magneto" pitchFamily="82" charset="77"/>
+                <a:ea typeface="Apple Color Emoji" pitchFamily="2" charset="0"/>
+                <a:cs typeface="Cavolini" panose="03000502040302020204" pitchFamily="66" charset="0"/>
               </a:rPr>
-              <a:t>DTS</a:t>
-            </a:r>
+              <a:t>Duvista</a:t>
+            </a:r>
+          </a:p>
+        </p:txBody>
+      </p:sp>
+      <p:sp>
+        <p:nvSpPr>
+          <p:cNvPr id="5" name="Rectangle 4">
+            <a:extLst>
+              <a:ext uri="{FF2B5EF4-FFF2-40B4-BE49-F238E27FC236}">
+                <a16:creationId xmlns:a16="http://schemas.microsoft.com/office/drawing/2014/main" id="{9DA7AD40-10C2-0749-887B-E6B6ABF146ED}"/>
+              </a:ext>
+            </a:extLst>
+          </p:cNvPr>
+          <p:cNvSpPr/>
+          <p:nvPr/>
+        </p:nvSpPr>
+        <p:spPr>
+          <a:xfrm>
+            <a:off x="7355102" y="2363146"/>
+            <a:ext cx="481806" cy="298261"/>
+          </a:xfrm>
+          <a:prstGeom prst="rect">
+            <a:avLst/>
+          </a:prstGeom>
+          <a:solidFill>
+            <a:srgbClr val="ED4948"/>
+          </a:solidFill>
+        </p:spPr>
+        <p:style>
+          <a:lnRef idx="2">
+            <a:schemeClr val="accent1">
+              <a:shade val="50000"/>
+            </a:schemeClr>
+          </a:lnRef>
+          <a:fillRef idx="1">
+            <a:schemeClr val="accent1"/>
+          </a:fillRef>
+          <a:effectRef idx="0">
+            <a:schemeClr val="accent1"/>
+          </a:effectRef>
+          <a:fontRef idx="minor">
+            <a:schemeClr val="lt1"/>
+          </a:fontRef>
+        </p:style>
+        <p:txBody>
+          <a:bodyPr rtlCol="0" anchor="ctr"/>
+          <a:lstStyle/>
+          <a:p>
+            <a:pPr algn="ctr"/>
+            <a:endParaRPr lang="en-US" sz="1730"/>
           </a:p>
         </p:txBody>
       </p:sp>
@@ -3595,10 +3220,247 @@
 </p:sld>
 </file>
 
+<file path=ppt/slides/slide2.xml><?xml version="1.0" encoding="utf-8"?>
+<p:sld xmlns:a="http://schemas.openxmlformats.org/drawingml/2006/main" xmlns:r="http://schemas.openxmlformats.org/officeDocument/2006/relationships" xmlns:p="http://schemas.openxmlformats.org/presentationml/2006/main">
+  <p:cSld>
+    <p:spTree>
+      <p:nvGrpSpPr>
+        <p:cNvPr id="1" name=""/>
+        <p:cNvGrpSpPr/>
+        <p:nvPr/>
+      </p:nvGrpSpPr>
+      <p:grpSpPr>
+        <a:xfrm>
+          <a:off x="0" y="0"/>
+          <a:ext cx="0" cy="0"/>
+          <a:chOff x="0" y="0"/>
+          <a:chExt cx="0" cy="0"/>
+        </a:xfrm>
+      </p:grpSpPr>
+      <p:sp>
+        <p:nvSpPr>
+          <p:cNvPr id="6" name="Rectangle 5">
+            <a:extLst>
+              <a:ext uri="{FF2B5EF4-FFF2-40B4-BE49-F238E27FC236}">
+                <a16:creationId xmlns:a16="http://schemas.microsoft.com/office/drawing/2014/main" id="{39D6B35C-2572-E045-941D-C746CF4B8229}"/>
+              </a:ext>
+            </a:extLst>
+          </p:cNvPr>
+          <p:cNvSpPr/>
+          <p:nvPr/>
+        </p:nvSpPr>
+        <p:spPr>
+          <a:xfrm>
+            <a:off x="0" y="0"/>
+            <a:ext cx="13716000" cy="7708900"/>
+          </a:xfrm>
+          <a:prstGeom prst="rect">
+            <a:avLst/>
+          </a:prstGeom>
+          <a:blipFill dpi="0" rotWithShape="1">
+            <a:blip r:embed="rId2">
+              <a:extLst>
+                <a:ext uri="{28A0092B-C50C-407E-A947-70E740481C1C}">
+                  <a14:useLocalDpi xmlns:a14="http://schemas.microsoft.com/office/drawing/2010/main" val="0"/>
+                </a:ext>
+              </a:extLst>
+            </a:blip>
+            <a:srcRect/>
+            <a:stretch>
+              <a:fillRect/>
+            </a:stretch>
+          </a:blipFill>
+        </p:spPr>
+        <p:style>
+          <a:lnRef idx="2">
+            <a:schemeClr val="accent1">
+              <a:shade val="50000"/>
+            </a:schemeClr>
+          </a:lnRef>
+          <a:fillRef idx="1">
+            <a:schemeClr val="accent1"/>
+          </a:fillRef>
+          <a:effectRef idx="0">
+            <a:schemeClr val="accent1"/>
+          </a:effectRef>
+          <a:fontRef idx="minor">
+            <a:schemeClr val="lt1"/>
+          </a:fontRef>
+        </p:style>
+        <p:txBody>
+          <a:bodyPr rtlCol="0" anchor="ctr"/>
+          <a:lstStyle/>
+          <a:p>
+            <a:pPr algn="ctr"/>
+            <a:endParaRPr lang="en-US"/>
+          </a:p>
+        </p:txBody>
+      </p:sp>
+    </p:spTree>
+    <p:extLst>
+      <p:ext uri="{BB962C8B-B14F-4D97-AF65-F5344CB8AC3E}">
+        <p14:creationId xmlns:p14="http://schemas.microsoft.com/office/powerpoint/2010/main" val="2546900668"/>
+      </p:ext>
+    </p:extLst>
+  </p:cSld>
+  <p:clrMapOvr>
+    <a:masterClrMapping/>
+  </p:clrMapOvr>
+</p:sld>
+</file>
+
+<file path=ppt/slides/slide3.xml><?xml version="1.0" encoding="utf-8"?>
+<p:sld xmlns:a="http://schemas.openxmlformats.org/drawingml/2006/main" xmlns:r="http://schemas.openxmlformats.org/officeDocument/2006/relationships" xmlns:p="http://schemas.openxmlformats.org/presentationml/2006/main">
+  <p:cSld>
+    <p:spTree>
+      <p:nvGrpSpPr>
+        <p:cNvPr id="1" name=""/>
+        <p:cNvGrpSpPr/>
+        <p:nvPr/>
+      </p:nvGrpSpPr>
+      <p:grpSpPr>
+        <a:xfrm>
+          <a:off x="0" y="0"/>
+          <a:ext cx="0" cy="0"/>
+          <a:chOff x="0" y="0"/>
+          <a:chExt cx="0" cy="0"/>
+        </a:xfrm>
+      </p:grpSpPr>
+      <p:sp>
+        <p:nvSpPr>
+          <p:cNvPr id="6" name="Rectangle 5">
+            <a:extLst>
+              <a:ext uri="{FF2B5EF4-FFF2-40B4-BE49-F238E27FC236}">
+                <a16:creationId xmlns:a16="http://schemas.microsoft.com/office/drawing/2014/main" id="{39D6B35C-2572-E045-941D-C746CF4B8229}"/>
+              </a:ext>
+            </a:extLst>
+          </p:cNvPr>
+          <p:cNvSpPr/>
+          <p:nvPr/>
+        </p:nvSpPr>
+        <p:spPr>
+          <a:xfrm>
+            <a:off x="0" y="0"/>
+            <a:ext cx="13716000" cy="7708900"/>
+          </a:xfrm>
+          <a:prstGeom prst="rect">
+            <a:avLst/>
+          </a:prstGeom>
+          <a:blipFill dpi="0" rotWithShape="1">
+            <a:blip r:embed="rId2">
+              <a:extLst>
+                <a:ext uri="{28A0092B-C50C-407E-A947-70E740481C1C}">
+                  <a14:useLocalDpi xmlns:a14="http://schemas.microsoft.com/office/drawing/2010/main" val="0"/>
+                </a:ext>
+              </a:extLst>
+            </a:blip>
+            <a:srcRect/>
+            <a:stretch>
+              <a:fillRect/>
+            </a:stretch>
+          </a:blipFill>
+        </p:spPr>
+        <p:style>
+          <a:lnRef idx="2">
+            <a:schemeClr val="accent1">
+              <a:shade val="50000"/>
+            </a:schemeClr>
+          </a:lnRef>
+          <a:fillRef idx="1">
+            <a:schemeClr val="accent1"/>
+          </a:fillRef>
+          <a:effectRef idx="0">
+            <a:schemeClr val="accent1"/>
+          </a:effectRef>
+          <a:fontRef idx="minor">
+            <a:schemeClr val="lt1"/>
+          </a:fontRef>
+        </p:style>
+        <p:txBody>
+          <a:bodyPr rtlCol="0" anchor="ctr"/>
+          <a:lstStyle/>
+          <a:p>
+            <a:pPr algn="ctr"/>
+            <a:endParaRPr lang="en-US"/>
+          </a:p>
+        </p:txBody>
+      </p:sp>
+    </p:spTree>
+    <p:extLst>
+      <p:ext uri="{BB962C8B-B14F-4D97-AF65-F5344CB8AC3E}">
+        <p14:creationId xmlns:p14="http://schemas.microsoft.com/office/powerpoint/2010/main" val="237570801"/>
+      </p:ext>
+    </p:extLst>
+  </p:cSld>
+  <p:clrMapOvr>
+    <a:masterClrMapping/>
+  </p:clrMapOvr>
+</p:sld>
+</file>
+
+<file path=ppt/slides/slide4.xml><?xml version="1.0" encoding="utf-8"?>
+<p:sld xmlns:a="http://schemas.openxmlformats.org/drawingml/2006/main" xmlns:r="http://schemas.openxmlformats.org/officeDocument/2006/relationships" xmlns:p="http://schemas.openxmlformats.org/presentationml/2006/main">
+  <p:cSld>
+    <p:spTree>
+      <p:nvGrpSpPr>
+        <p:cNvPr id="1" name=""/>
+        <p:cNvGrpSpPr/>
+        <p:nvPr/>
+      </p:nvGrpSpPr>
+      <p:grpSpPr>
+        <a:xfrm>
+          <a:off x="0" y="0"/>
+          <a:ext cx="0" cy="0"/>
+          <a:chOff x="0" y="0"/>
+          <a:chExt cx="0" cy="0"/>
+        </a:xfrm>
+      </p:grpSpPr>
+      <p:pic>
+        <p:nvPicPr>
+          <p:cNvPr id="3" name="Picture 2" descr="A person standing in a field&#10;&#10;Description automatically generated">
+            <a:extLst>
+              <a:ext uri="{FF2B5EF4-FFF2-40B4-BE49-F238E27FC236}">
+                <a16:creationId xmlns:a16="http://schemas.microsoft.com/office/drawing/2014/main" id="{2291D8BE-3A31-244A-9B8C-D97B8B9855B3}"/>
+              </a:ext>
+            </a:extLst>
+          </p:cNvPr>
+          <p:cNvPicPr>
+            <a:picLocks noChangeAspect="1"/>
+          </p:cNvPicPr>
+          <p:nvPr/>
+        </p:nvPicPr>
+        <p:blipFill rotWithShape="1">
+          <a:blip r:embed="rId2"/>
+          <a:srcRect t="4482" b="23076"/>
+          <a:stretch/>
+        </p:blipFill>
+        <p:spPr>
+          <a:xfrm>
+            <a:off x="0" y="0"/>
+            <a:ext cx="13716000" cy="7708900"/>
+          </a:xfrm>
+          <a:prstGeom prst="rect">
+            <a:avLst/>
+          </a:prstGeom>
+        </p:spPr>
+      </p:pic>
+    </p:spTree>
+    <p:extLst>
+      <p:ext uri="{BB962C8B-B14F-4D97-AF65-F5344CB8AC3E}">
+        <p14:creationId xmlns:p14="http://schemas.microsoft.com/office/powerpoint/2010/main" val="510236422"/>
+      </p:ext>
+    </p:extLst>
+  </p:cSld>
+  <p:clrMapOvr>
+    <a:masterClrMapping/>
+  </p:clrMapOvr>
+</p:sld>
+</file>
+
 <file path=ppt/theme/theme1.xml><?xml version="1.0" encoding="utf-8"?>
 <a:theme xmlns:a="http://schemas.openxmlformats.org/drawingml/2006/main" name="Office Theme">
   <a:themeElements>
-    <a:clrScheme name="Office">
+    <a:clrScheme name="Office Theme">
       <a:dk1>
         <a:sysClr val="windowText" lastClr="000000"/>
       </a:dk1>
@@ -3636,7 +3498,7 @@
         <a:srgbClr val="954F72"/>
       </a:folHlink>
     </a:clrScheme>
-    <a:fontScheme name="Office">
+    <a:fontScheme name="Office Theme">
       <a:majorFont>
         <a:latin typeface="Calibri Light" panose="020F0302020204030204"/>
         <a:ea typeface=""/>
@@ -3671,23 +3533,6 @@
         <a:font script="Viet" typeface="Times New Roman"/>
         <a:font script="Uigh" typeface="Microsoft Uighur"/>
         <a:font script="Geor" typeface="Sylfaen"/>
-        <a:font script="Armn" typeface="Arial"/>
-        <a:font script="Bugi" typeface="Leelawadee UI"/>
-        <a:font script="Bopo" typeface="Microsoft JhengHei"/>
-        <a:font script="Java" typeface="Javanese Text"/>
-        <a:font script="Lisu" typeface="Segoe UI"/>
-        <a:font script="Mymr" typeface="Myanmar Text"/>
-        <a:font script="Nkoo" typeface="Ebrima"/>
-        <a:font script="Olck" typeface="Nirmala UI"/>
-        <a:font script="Osma" typeface="Ebrima"/>
-        <a:font script="Phag" typeface="Phagspa"/>
-        <a:font script="Syrn" typeface="Estrangelo Edessa"/>
-        <a:font script="Syrj" typeface="Estrangelo Edessa"/>
-        <a:font script="Syre" typeface="Estrangelo Edessa"/>
-        <a:font script="Sora" typeface="Nirmala UI"/>
-        <a:font script="Tale" typeface="Microsoft Tai Le"/>
-        <a:font script="Talu" typeface="Microsoft New Tai Lue"/>
-        <a:font script="Tfng" typeface="Ebrima"/>
       </a:majorFont>
       <a:minorFont>
         <a:latin typeface="Calibri" panose="020F0502020204030204"/>
@@ -3723,26 +3568,9 @@
         <a:font script="Viet" typeface="Arial"/>
         <a:font script="Uigh" typeface="Microsoft Uighur"/>
         <a:font script="Geor" typeface="Sylfaen"/>
-        <a:font script="Armn" typeface="Arial"/>
-        <a:font script="Bugi" typeface="Leelawadee UI"/>
-        <a:font script="Bopo" typeface="Microsoft JhengHei"/>
-        <a:font script="Java" typeface="Javanese Text"/>
-        <a:font script="Lisu" typeface="Segoe UI"/>
-        <a:font script="Mymr" typeface="Myanmar Text"/>
-        <a:font script="Nkoo" typeface="Ebrima"/>
-        <a:font script="Olck" typeface="Nirmala UI"/>
-        <a:font script="Osma" typeface="Ebrima"/>
-        <a:font script="Phag" typeface="Phagspa"/>
-        <a:font script="Syrn" typeface="Estrangelo Edessa"/>
-        <a:font script="Syrj" typeface="Estrangelo Edessa"/>
-        <a:font script="Syre" typeface="Estrangelo Edessa"/>
-        <a:font script="Sora" typeface="Nirmala UI"/>
-        <a:font script="Tale" typeface="Microsoft Tai Le"/>
-        <a:font script="Talu" typeface="Microsoft New Tai Lue"/>
-        <a:font script="Tfng" typeface="Ebrima"/>
       </a:minorFont>
     </a:fontScheme>
-    <a:fmtScheme name="Office">
+    <a:fmtScheme name="Office Theme">
       <a:fillStyleLst>
         <a:solidFill>
           <a:schemeClr val="phClr"/>
@@ -3891,6 +3719,21 @@
 </file>
 
 <file path=customXml/item1.xml><?xml version="1.0" encoding="utf-8"?>
+<p:properties xmlns:p="http://schemas.microsoft.com/office/2006/metadata/properties" xmlns:xsi="http://www.w3.org/2001/XMLSchema-instance" xmlns:pc="http://schemas.microsoft.com/office/infopath/2007/PartnerControls">
+  <documentManagement/>
+</p:properties>
+</file>
+
+<file path=customXml/item2.xml><?xml version="1.0" encoding="utf-8"?>
+<?mso-contentType ?>
+<FormTemplates xmlns="http://schemas.microsoft.com/sharepoint/v3/contenttype/forms">
+  <Display>DocumentLibraryForm</Display>
+  <Edit>DocumentLibraryForm</Edit>
+  <New>DocumentLibraryForm</New>
+</FormTemplates>
+</file>
+
+<file path=customXml/item3.xml><?xml version="1.0" encoding="utf-8"?>
 <ct:contentTypeSchema xmlns:ct="http://schemas.microsoft.com/office/2006/metadata/contentType" xmlns:ma="http://schemas.microsoft.com/office/2006/metadata/properties/metaAttributes" ct:_="" ma:_="" ma:contentTypeName="Document" ma:contentTypeID="0x010100B57A7E7BF9252C46ABABF3C52260B77B" ma:contentTypeVersion="10" ma:contentTypeDescription="Create a new document." ma:contentTypeScope="" ma:versionID="e4ae1ba3e2198bdac2ebf07171ccde7d">
   <xsd:schema xmlns:xsd="http://www.w3.org/2001/XMLSchema" xmlns:xs="http://www.w3.org/2001/XMLSchema" xmlns:p="http://schemas.microsoft.com/office/2006/metadata/properties" xmlns:ns2="7e1860d1-86f0-4582-bca9-eb40bfac2431" targetNamespace="http://schemas.microsoft.com/office/2006/metadata/properties" ma:root="true" ma:fieldsID="f46816188820873962f01db70750ab34" ns2:_="">
     <xsd:import namespace="7e1860d1-86f0-4582-bca9-eb40bfac2431"/>
@@ -4074,29 +3917,37 @@
 </ct:contentTypeSchema>
 </file>
 
-<file path=customXml/item2.xml><?xml version="1.0" encoding="utf-8"?>
-<?mso-contentType ?>
-<FormTemplates xmlns="http://schemas.microsoft.com/sharepoint/v3/contenttype/forms">
-  <Display>DocumentLibraryForm</Display>
-  <Edit>DocumentLibraryForm</Edit>
-  <New>DocumentLibraryForm</New>
-</FormTemplates>
-</file>
-
-<file path=customXml/item3.xml><?xml version="1.0" encoding="utf-8"?>
-<p:properties xmlns:p="http://schemas.microsoft.com/office/2006/metadata/properties" xmlns:xsi="http://www.w3.org/2001/XMLSchema-instance" xmlns:pc="http://schemas.microsoft.com/office/infopath/2007/PartnerControls">
-  <documentManagement/>
-</p:properties>
-</file>
-
 <file path=customXml/itemProps1.xml><?xml version="1.0" encoding="utf-8"?>
-<ds:datastoreItem xmlns:ds="http://schemas.openxmlformats.org/officeDocument/2006/customXml" ds:itemID="{202E1028-0F9B-40B3-880F-8168888E52C7}"/>
+<ds:datastoreItem xmlns:ds="http://schemas.openxmlformats.org/officeDocument/2006/customXml" ds:itemID="{946F8040-960F-4019-A21B-BB3D2C81222E}">
+  <ds:schemaRefs>
+    <ds:schemaRef ds:uri="http://schemas.microsoft.com/office/2006/metadata/properties"/>
+    <ds:schemaRef ds:uri="http://schemas.microsoft.com/office/infopath/2007/PartnerControls"/>
+  </ds:schemaRefs>
+</ds:datastoreItem>
 </file>
 
 <file path=customXml/itemProps2.xml><?xml version="1.0" encoding="utf-8"?>
-<ds:datastoreItem xmlns:ds="http://schemas.openxmlformats.org/officeDocument/2006/customXml" ds:itemID="{32610B9B-7097-4C65-9D80-B19144253E56}"/>
+<ds:datastoreItem xmlns:ds="http://schemas.openxmlformats.org/officeDocument/2006/customXml" ds:itemID="{32610B9B-7097-4C65-9D80-B19144253E56}">
+  <ds:schemaRefs>
+    <ds:schemaRef ds:uri="http://schemas.microsoft.com/sharepoint/v3/contenttype/forms"/>
+  </ds:schemaRefs>
+</ds:datastoreItem>
 </file>
 
 <file path=customXml/itemProps3.xml><?xml version="1.0" encoding="utf-8"?>
-<ds:datastoreItem xmlns:ds="http://schemas.openxmlformats.org/officeDocument/2006/customXml" ds:itemID="{946F8040-960F-4019-A21B-BB3D2C81222E}"/>
+<ds:datastoreItem xmlns:ds="http://schemas.openxmlformats.org/officeDocument/2006/customXml" ds:itemID="{202E1028-0F9B-40B3-880F-8168888E52C7}">
+  <ds:schemaRefs>
+    <ds:schemaRef ds:uri="http://schemas.microsoft.com/office/2006/metadata/contentType"/>
+    <ds:schemaRef ds:uri="http://schemas.microsoft.com/office/2006/metadata/properties/metaAttributes"/>
+    <ds:schemaRef ds:uri="http://www.w3.org/2001/XMLSchema"/>
+    <ds:schemaRef ds:uri="http://schemas.microsoft.com/office/2006/metadata/properties"/>
+    <ds:schemaRef ds:uri="7e1860d1-86f0-4582-bca9-eb40bfac2431"/>
+    <ds:schemaRef ds:uri="http://schemas.microsoft.com/office/2006/documentManagement/types"/>
+    <ds:schemaRef ds:uri="http://schemas.microsoft.com/office/infopath/2007/PartnerControls"/>
+    <ds:schemaRef ds:uri="http://schemas.openxmlformats.org/package/2006/metadata/core-properties"/>
+    <ds:schemaRef ds:uri="http://purl.org/dc/elements/1.1/"/>
+    <ds:schemaRef ds:uri="http://purl.org/dc/terms/"/>
+    <ds:schemaRef ds:uri="http://schemas.microsoft.com/internal/obd"/>
+  </ds:schemaRefs>
+</ds:datastoreItem>
 </file>